--- a/docker/Docker笔记.pptx
+++ b/docker/Docker笔记.pptx
@@ -1,15 +1,19 @@
 
 <file path=ppt/presentation.xml><?xml version="1.0" encoding="utf-8"?>
-<p:presentation xmlns:a="http://schemas.openxmlformats.org/drawingml/2006/main" xmlns:r="http://schemas.openxmlformats.org/officeDocument/2006/relationships" xmlns:p="http://schemas.openxmlformats.org/presentationml/2006/main" saveSubsetFonts="1">
+<p:presentation xmlns:a="http://schemas.openxmlformats.org/drawingml/2006/main" xmlns:r="http://schemas.openxmlformats.org/officeDocument/2006/relationships" xmlns:p="http://schemas.openxmlformats.org/presentationml/2006/main">
   <p:sldMasterIdLst>
     <p:sldMasterId id="2147483648" r:id="rId1"/>
   </p:sldMasterIdLst>
   <p:sldIdLst>
-    <p:sldId id="256" r:id="rId2"/>
-    <p:sldId id="257" r:id="rId3"/>
+    <p:sldId id="256" r:id="rId3"/>
+    <p:sldId id="257" r:id="rId4"/>
+    <p:sldId id="258" r:id="rId5"/>
   </p:sldIdLst>
   <p:sldSz cx="12192000" cy="6858000"/>
   <p:notesSz cx="6858000" cy="9144000"/>
+  <p:custDataLst>
+    <p:tags r:id="rId9"/>
+  </p:custDataLst>
   <p:defaultTextStyle>
     <a:defPPr>
       <a:defRPr lang="zh-CN"/>
@@ -105,11 +109,6 @@
       </a:defRPr>
     </a:lvl9pPr>
   </p:defaultTextStyle>
-  <p:extLst>
-    <p:ext uri="{EFAFB233-063F-42B5-8137-9DF3F51BA10A}">
-      <p15:sldGuideLst xmlns:p15="http://schemas.microsoft.com/office/powerpoint/2012/main"/>
-    </p:ext>
-  </p:extLst>
 </p:presentation>
 </file>
 
@@ -132,13 +131,7 @@
       </p:grpSpPr>
       <p:sp>
         <p:nvSpPr>
-          <p:cNvPr id="2" name="标题 1">
-            <a:extLst>
-              <a:ext uri="{FF2B5EF4-FFF2-40B4-BE49-F238E27FC236}">
-                <a16:creationId xmlns:a16="http://schemas.microsoft.com/office/drawing/2014/main" id="{F5A9CF24-7849-D744-66A9-42C6EE673F6F}"/>
-              </a:ext>
-            </a:extLst>
-          </p:cNvPr>
+          <p:cNvPr id="2" name="标题 1"/>
           <p:cNvSpPr>
             <a:spLocks noGrp="1"/>
           </p:cNvSpPr>
@@ -164,18 +157,13 @@
               <a:rPr lang="zh-CN" altLang="en-US"/>
               <a:t>单击此处编辑母版标题样式</a:t>
             </a:r>
-          </a:p>
-        </p:txBody>
-      </p:sp>
-      <p:sp>
-        <p:nvSpPr>
-          <p:cNvPr id="3" name="副标题 2">
-            <a:extLst>
-              <a:ext uri="{FF2B5EF4-FFF2-40B4-BE49-F238E27FC236}">
-                <a16:creationId xmlns:a16="http://schemas.microsoft.com/office/drawing/2014/main" id="{773431DF-5FEB-A06A-5698-0A5342C636BE}"/>
-              </a:ext>
-            </a:extLst>
-          </p:cNvPr>
+            <a:endParaRPr lang="zh-CN" altLang="en-US"/>
+          </a:p>
+        </p:txBody>
+      </p:sp>
+      <p:sp>
+        <p:nvSpPr>
+          <p:cNvPr id="3" name="副标题 2"/>
           <p:cNvSpPr>
             <a:spLocks noGrp="1"/>
           </p:cNvSpPr>
@@ -234,18 +222,13 @@
               <a:rPr lang="zh-CN" altLang="en-US"/>
               <a:t>单击此处编辑母版副标题样式</a:t>
             </a:r>
-          </a:p>
-        </p:txBody>
-      </p:sp>
-      <p:sp>
-        <p:nvSpPr>
-          <p:cNvPr id="4" name="日期占位符 3">
-            <a:extLst>
-              <a:ext uri="{FF2B5EF4-FFF2-40B4-BE49-F238E27FC236}">
-                <a16:creationId xmlns:a16="http://schemas.microsoft.com/office/drawing/2014/main" id="{AF8C58A4-42D2-5E6B-E86A-9E63DA624373}"/>
-              </a:ext>
-            </a:extLst>
-          </p:cNvPr>
+            <a:endParaRPr lang="zh-CN" altLang="en-US"/>
+          </a:p>
+        </p:txBody>
+      </p:sp>
+      <p:sp>
+        <p:nvSpPr>
+          <p:cNvPr id="4" name="日期占位符 3"/>
           <p:cNvSpPr>
             <a:spLocks noGrp="1"/>
           </p:cNvSpPr>
@@ -260,7 +243,6 @@
           <a:p>
             <a:fld id="{64791A55-7268-466F-989B-BE3A235EE1A6}" type="datetimeFigureOut">
               <a:rPr lang="zh-CN" altLang="en-US" smtClean="0"/>
-              <a:t>2023/12/14</a:t>
             </a:fld>
             <a:endParaRPr lang="zh-CN" altLang="en-US"/>
           </a:p>
@@ -268,13 +250,7 @@
       </p:sp>
       <p:sp>
         <p:nvSpPr>
-          <p:cNvPr id="5" name="页脚占位符 4">
-            <a:extLst>
-              <a:ext uri="{FF2B5EF4-FFF2-40B4-BE49-F238E27FC236}">
-                <a16:creationId xmlns:a16="http://schemas.microsoft.com/office/drawing/2014/main" id="{8E124547-7E95-9966-DC2E-3DF8E9027193}"/>
-              </a:ext>
-            </a:extLst>
-          </p:cNvPr>
+          <p:cNvPr id="5" name="页脚占位符 4"/>
           <p:cNvSpPr>
             <a:spLocks noGrp="1"/>
           </p:cNvSpPr>
@@ -293,13 +269,7 @@
       </p:sp>
       <p:sp>
         <p:nvSpPr>
-          <p:cNvPr id="6" name="灯片编号占位符 5">
-            <a:extLst>
-              <a:ext uri="{FF2B5EF4-FFF2-40B4-BE49-F238E27FC236}">
-                <a16:creationId xmlns:a16="http://schemas.microsoft.com/office/drawing/2014/main" id="{9B451693-5677-8544-50A5-9417C8E57FD1}"/>
-              </a:ext>
-            </a:extLst>
-          </p:cNvPr>
+          <p:cNvPr id="6" name="灯片编号占位符 5"/>
           <p:cNvSpPr>
             <a:spLocks noGrp="1"/>
           </p:cNvSpPr>
@@ -314,18 +284,12 @@
           <a:p>
             <a:fld id="{E4306733-2267-4A15-966D-3626FBD31382}" type="slidenum">
               <a:rPr lang="zh-CN" altLang="en-US" smtClean="0"/>
-              <a:t>‹#›</a:t>
             </a:fld>
             <a:endParaRPr lang="zh-CN" altLang="en-US"/>
           </a:p>
         </p:txBody>
       </p:sp>
     </p:spTree>
-    <p:extLst>
-      <p:ext uri="{BB962C8B-B14F-4D97-AF65-F5344CB8AC3E}">
-        <p14:creationId xmlns:p14="http://schemas.microsoft.com/office/powerpoint/2010/main" val="2675988077"/>
-      </p:ext>
-    </p:extLst>
   </p:cSld>
   <p:clrMapOvr>
     <a:masterClrMapping/>
@@ -352,13 +316,7 @@
       </p:grpSpPr>
       <p:sp>
         <p:nvSpPr>
-          <p:cNvPr id="2" name="标题 1">
-            <a:extLst>
-              <a:ext uri="{FF2B5EF4-FFF2-40B4-BE49-F238E27FC236}">
-                <a16:creationId xmlns:a16="http://schemas.microsoft.com/office/drawing/2014/main" id="{4E29B0BE-B552-1F48-F2EF-CCDDDB172673}"/>
-              </a:ext>
-            </a:extLst>
-          </p:cNvPr>
+          <p:cNvPr id="2" name="标题 1"/>
           <p:cNvSpPr>
             <a:spLocks noGrp="1"/>
           </p:cNvSpPr>
@@ -375,18 +333,13 @@
               <a:rPr lang="zh-CN" altLang="en-US"/>
               <a:t>单击此处编辑母版标题样式</a:t>
             </a:r>
-          </a:p>
-        </p:txBody>
-      </p:sp>
-      <p:sp>
-        <p:nvSpPr>
-          <p:cNvPr id="3" name="竖排文字占位符 2">
-            <a:extLst>
-              <a:ext uri="{FF2B5EF4-FFF2-40B4-BE49-F238E27FC236}">
-                <a16:creationId xmlns:a16="http://schemas.microsoft.com/office/drawing/2014/main" id="{AB1F47CC-DDC3-CB44-DBC3-3554EC3FBB9D}"/>
-              </a:ext>
-            </a:extLst>
-          </p:cNvPr>
+            <a:endParaRPr lang="zh-CN" altLang="en-US"/>
+          </a:p>
+        </p:txBody>
+      </p:sp>
+      <p:sp>
+        <p:nvSpPr>
+          <p:cNvPr id="3" name="竖排文字占位符 2"/>
           <p:cNvSpPr>
             <a:spLocks noGrp="1"/>
           </p:cNvSpPr>
@@ -404,6 +357,7 @@
               <a:rPr lang="zh-CN" altLang="en-US"/>
               <a:t>单击此处编辑母版文本样式</a:t>
             </a:r>
+            <a:endParaRPr lang="zh-CN" altLang="en-US"/>
           </a:p>
           <a:p>
             <a:pPr lvl="1"/>
@@ -411,6 +365,7 @@
               <a:rPr lang="zh-CN" altLang="en-US"/>
               <a:t>二级</a:t>
             </a:r>
+            <a:endParaRPr lang="zh-CN" altLang="en-US"/>
           </a:p>
           <a:p>
             <a:pPr lvl="2"/>
@@ -418,6 +373,7 @@
               <a:rPr lang="zh-CN" altLang="en-US"/>
               <a:t>三级</a:t>
             </a:r>
+            <a:endParaRPr lang="zh-CN" altLang="en-US"/>
           </a:p>
           <a:p>
             <a:pPr lvl="3"/>
@@ -425,6 +381,7 @@
               <a:rPr lang="zh-CN" altLang="en-US"/>
               <a:t>四级</a:t>
             </a:r>
+            <a:endParaRPr lang="zh-CN" altLang="en-US"/>
           </a:p>
           <a:p>
             <a:pPr lvl="4"/>
@@ -432,18 +389,13 @@
               <a:rPr lang="zh-CN" altLang="en-US"/>
               <a:t>五级</a:t>
             </a:r>
-          </a:p>
-        </p:txBody>
-      </p:sp>
-      <p:sp>
-        <p:nvSpPr>
-          <p:cNvPr id="4" name="日期占位符 3">
-            <a:extLst>
-              <a:ext uri="{FF2B5EF4-FFF2-40B4-BE49-F238E27FC236}">
-                <a16:creationId xmlns:a16="http://schemas.microsoft.com/office/drawing/2014/main" id="{5BF2A439-9BCF-B726-C347-2C18B2C1CDF3}"/>
-              </a:ext>
-            </a:extLst>
-          </p:cNvPr>
+            <a:endParaRPr lang="zh-CN" altLang="en-US"/>
+          </a:p>
+        </p:txBody>
+      </p:sp>
+      <p:sp>
+        <p:nvSpPr>
+          <p:cNvPr id="4" name="日期占位符 3"/>
           <p:cNvSpPr>
             <a:spLocks noGrp="1"/>
           </p:cNvSpPr>
@@ -458,7 +410,6 @@
           <a:p>
             <a:fld id="{64791A55-7268-466F-989B-BE3A235EE1A6}" type="datetimeFigureOut">
               <a:rPr lang="zh-CN" altLang="en-US" smtClean="0"/>
-              <a:t>2023/12/14</a:t>
             </a:fld>
             <a:endParaRPr lang="zh-CN" altLang="en-US"/>
           </a:p>
@@ -466,13 +417,7 @@
       </p:sp>
       <p:sp>
         <p:nvSpPr>
-          <p:cNvPr id="5" name="页脚占位符 4">
-            <a:extLst>
-              <a:ext uri="{FF2B5EF4-FFF2-40B4-BE49-F238E27FC236}">
-                <a16:creationId xmlns:a16="http://schemas.microsoft.com/office/drawing/2014/main" id="{D6F1C665-5A29-4635-CB08-CB17A0EAD53B}"/>
-              </a:ext>
-            </a:extLst>
-          </p:cNvPr>
+          <p:cNvPr id="5" name="页脚占位符 4"/>
           <p:cNvSpPr>
             <a:spLocks noGrp="1"/>
           </p:cNvSpPr>
@@ -491,13 +436,7 @@
       </p:sp>
       <p:sp>
         <p:nvSpPr>
-          <p:cNvPr id="6" name="灯片编号占位符 5">
-            <a:extLst>
-              <a:ext uri="{FF2B5EF4-FFF2-40B4-BE49-F238E27FC236}">
-                <a16:creationId xmlns:a16="http://schemas.microsoft.com/office/drawing/2014/main" id="{4085A4A6-6652-D38A-80A2-CD3BB48D2547}"/>
-              </a:ext>
-            </a:extLst>
-          </p:cNvPr>
+          <p:cNvPr id="6" name="灯片编号占位符 5"/>
           <p:cNvSpPr>
             <a:spLocks noGrp="1"/>
           </p:cNvSpPr>
@@ -512,18 +451,12 @@
           <a:p>
             <a:fld id="{E4306733-2267-4A15-966D-3626FBD31382}" type="slidenum">
               <a:rPr lang="zh-CN" altLang="en-US" smtClean="0"/>
-              <a:t>‹#›</a:t>
             </a:fld>
             <a:endParaRPr lang="zh-CN" altLang="en-US"/>
           </a:p>
         </p:txBody>
       </p:sp>
     </p:spTree>
-    <p:extLst>
-      <p:ext uri="{BB962C8B-B14F-4D97-AF65-F5344CB8AC3E}">
-        <p14:creationId xmlns:p14="http://schemas.microsoft.com/office/powerpoint/2010/main" val="1580907901"/>
-      </p:ext>
-    </p:extLst>
   </p:cSld>
   <p:clrMapOvr>
     <a:masterClrMapping/>
@@ -550,13 +483,7 @@
       </p:grpSpPr>
       <p:sp>
         <p:nvSpPr>
-          <p:cNvPr id="2" name="竖排标题 1">
-            <a:extLst>
-              <a:ext uri="{FF2B5EF4-FFF2-40B4-BE49-F238E27FC236}">
-                <a16:creationId xmlns:a16="http://schemas.microsoft.com/office/drawing/2014/main" id="{7D25FF76-5B8B-8FDF-93CB-18EEDDA28C4A}"/>
-              </a:ext>
-            </a:extLst>
-          </p:cNvPr>
+          <p:cNvPr id="2" name="竖排标题 1"/>
           <p:cNvSpPr>
             <a:spLocks noGrp="1"/>
           </p:cNvSpPr>
@@ -578,18 +505,13 @@
               <a:rPr lang="zh-CN" altLang="en-US"/>
               <a:t>单击此处编辑母版标题样式</a:t>
             </a:r>
-          </a:p>
-        </p:txBody>
-      </p:sp>
-      <p:sp>
-        <p:nvSpPr>
-          <p:cNvPr id="3" name="竖排文字占位符 2">
-            <a:extLst>
-              <a:ext uri="{FF2B5EF4-FFF2-40B4-BE49-F238E27FC236}">
-                <a16:creationId xmlns:a16="http://schemas.microsoft.com/office/drawing/2014/main" id="{204F88F6-FBCB-D594-A16B-2C6D534B3DC2}"/>
-              </a:ext>
-            </a:extLst>
-          </p:cNvPr>
+            <a:endParaRPr lang="zh-CN" altLang="en-US"/>
+          </a:p>
+        </p:txBody>
+      </p:sp>
+      <p:sp>
+        <p:nvSpPr>
+          <p:cNvPr id="3" name="竖排文字占位符 2"/>
           <p:cNvSpPr>
             <a:spLocks noGrp="1"/>
           </p:cNvSpPr>
@@ -612,6 +534,7 @@
               <a:rPr lang="zh-CN" altLang="en-US"/>
               <a:t>单击此处编辑母版文本样式</a:t>
             </a:r>
+            <a:endParaRPr lang="zh-CN" altLang="en-US"/>
           </a:p>
           <a:p>
             <a:pPr lvl="1"/>
@@ -619,6 +542,7 @@
               <a:rPr lang="zh-CN" altLang="en-US"/>
               <a:t>二级</a:t>
             </a:r>
+            <a:endParaRPr lang="zh-CN" altLang="en-US"/>
           </a:p>
           <a:p>
             <a:pPr lvl="2"/>
@@ -626,6 +550,7 @@
               <a:rPr lang="zh-CN" altLang="en-US"/>
               <a:t>三级</a:t>
             </a:r>
+            <a:endParaRPr lang="zh-CN" altLang="en-US"/>
           </a:p>
           <a:p>
             <a:pPr lvl="3"/>
@@ -633,6 +558,7 @@
               <a:rPr lang="zh-CN" altLang="en-US"/>
               <a:t>四级</a:t>
             </a:r>
+            <a:endParaRPr lang="zh-CN" altLang="en-US"/>
           </a:p>
           <a:p>
             <a:pPr lvl="4"/>
@@ -640,18 +566,13 @@
               <a:rPr lang="zh-CN" altLang="en-US"/>
               <a:t>五级</a:t>
             </a:r>
-          </a:p>
-        </p:txBody>
-      </p:sp>
-      <p:sp>
-        <p:nvSpPr>
-          <p:cNvPr id="4" name="日期占位符 3">
-            <a:extLst>
-              <a:ext uri="{FF2B5EF4-FFF2-40B4-BE49-F238E27FC236}">
-                <a16:creationId xmlns:a16="http://schemas.microsoft.com/office/drawing/2014/main" id="{FC00CABB-BCFA-A5B0-068F-BC979AC0774C}"/>
-              </a:ext>
-            </a:extLst>
-          </p:cNvPr>
+            <a:endParaRPr lang="zh-CN" altLang="en-US"/>
+          </a:p>
+        </p:txBody>
+      </p:sp>
+      <p:sp>
+        <p:nvSpPr>
+          <p:cNvPr id="4" name="日期占位符 3"/>
           <p:cNvSpPr>
             <a:spLocks noGrp="1"/>
           </p:cNvSpPr>
@@ -666,7 +587,6 @@
           <a:p>
             <a:fld id="{64791A55-7268-466F-989B-BE3A235EE1A6}" type="datetimeFigureOut">
               <a:rPr lang="zh-CN" altLang="en-US" smtClean="0"/>
-              <a:t>2023/12/14</a:t>
             </a:fld>
             <a:endParaRPr lang="zh-CN" altLang="en-US"/>
           </a:p>
@@ -674,13 +594,7 @@
       </p:sp>
       <p:sp>
         <p:nvSpPr>
-          <p:cNvPr id="5" name="页脚占位符 4">
-            <a:extLst>
-              <a:ext uri="{FF2B5EF4-FFF2-40B4-BE49-F238E27FC236}">
-                <a16:creationId xmlns:a16="http://schemas.microsoft.com/office/drawing/2014/main" id="{312FA64B-9430-53AD-A458-0E7BFC242BB6}"/>
-              </a:ext>
-            </a:extLst>
-          </p:cNvPr>
+          <p:cNvPr id="5" name="页脚占位符 4"/>
           <p:cNvSpPr>
             <a:spLocks noGrp="1"/>
           </p:cNvSpPr>
@@ -699,13 +613,7 @@
       </p:sp>
       <p:sp>
         <p:nvSpPr>
-          <p:cNvPr id="6" name="灯片编号占位符 5">
-            <a:extLst>
-              <a:ext uri="{FF2B5EF4-FFF2-40B4-BE49-F238E27FC236}">
-                <a16:creationId xmlns:a16="http://schemas.microsoft.com/office/drawing/2014/main" id="{620AAB17-00CF-2AB6-610B-C2190BDBD398}"/>
-              </a:ext>
-            </a:extLst>
-          </p:cNvPr>
+          <p:cNvPr id="6" name="灯片编号占位符 5"/>
           <p:cNvSpPr>
             <a:spLocks noGrp="1"/>
           </p:cNvSpPr>
@@ -720,18 +628,12 @@
           <a:p>
             <a:fld id="{E4306733-2267-4A15-966D-3626FBD31382}" type="slidenum">
               <a:rPr lang="zh-CN" altLang="en-US" smtClean="0"/>
-              <a:t>‹#›</a:t>
             </a:fld>
             <a:endParaRPr lang="zh-CN" altLang="en-US"/>
           </a:p>
         </p:txBody>
       </p:sp>
     </p:spTree>
-    <p:extLst>
-      <p:ext uri="{BB962C8B-B14F-4D97-AF65-F5344CB8AC3E}">
-        <p14:creationId xmlns:p14="http://schemas.microsoft.com/office/powerpoint/2010/main" val="482480052"/>
-      </p:ext>
-    </p:extLst>
   </p:cSld>
   <p:clrMapOvr>
     <a:masterClrMapping/>
@@ -758,13 +660,7 @@
       </p:grpSpPr>
       <p:sp>
         <p:nvSpPr>
-          <p:cNvPr id="2" name="标题 1">
-            <a:extLst>
-              <a:ext uri="{FF2B5EF4-FFF2-40B4-BE49-F238E27FC236}">
-                <a16:creationId xmlns:a16="http://schemas.microsoft.com/office/drawing/2014/main" id="{39B0BBF5-B181-FE21-DCFD-92863B1492B5}"/>
-              </a:ext>
-            </a:extLst>
-          </p:cNvPr>
+          <p:cNvPr id="2" name="标题 1"/>
           <p:cNvSpPr>
             <a:spLocks noGrp="1"/>
           </p:cNvSpPr>
@@ -781,18 +677,13 @@
               <a:rPr lang="zh-CN" altLang="en-US"/>
               <a:t>单击此处编辑母版标题样式</a:t>
             </a:r>
-          </a:p>
-        </p:txBody>
-      </p:sp>
-      <p:sp>
-        <p:nvSpPr>
-          <p:cNvPr id="3" name="内容占位符 2">
-            <a:extLst>
-              <a:ext uri="{FF2B5EF4-FFF2-40B4-BE49-F238E27FC236}">
-                <a16:creationId xmlns:a16="http://schemas.microsoft.com/office/drawing/2014/main" id="{FEBD0C5A-1EAF-1EFF-D06B-2C1AA7507D25}"/>
-              </a:ext>
-            </a:extLst>
-          </p:cNvPr>
+            <a:endParaRPr lang="zh-CN" altLang="en-US"/>
+          </a:p>
+        </p:txBody>
+      </p:sp>
+      <p:sp>
+        <p:nvSpPr>
+          <p:cNvPr id="3" name="内容占位符 2"/>
           <p:cNvSpPr>
             <a:spLocks noGrp="1"/>
           </p:cNvSpPr>
@@ -810,6 +701,7 @@
               <a:rPr lang="zh-CN" altLang="en-US"/>
               <a:t>单击此处编辑母版文本样式</a:t>
             </a:r>
+            <a:endParaRPr lang="zh-CN" altLang="en-US"/>
           </a:p>
           <a:p>
             <a:pPr lvl="1"/>
@@ -817,6 +709,7 @@
               <a:rPr lang="zh-CN" altLang="en-US"/>
               <a:t>二级</a:t>
             </a:r>
+            <a:endParaRPr lang="zh-CN" altLang="en-US"/>
           </a:p>
           <a:p>
             <a:pPr lvl="2"/>
@@ -824,6 +717,7 @@
               <a:rPr lang="zh-CN" altLang="en-US"/>
               <a:t>三级</a:t>
             </a:r>
+            <a:endParaRPr lang="zh-CN" altLang="en-US"/>
           </a:p>
           <a:p>
             <a:pPr lvl="3"/>
@@ -831,6 +725,7 @@
               <a:rPr lang="zh-CN" altLang="en-US"/>
               <a:t>四级</a:t>
             </a:r>
+            <a:endParaRPr lang="zh-CN" altLang="en-US"/>
           </a:p>
           <a:p>
             <a:pPr lvl="4"/>
@@ -838,18 +733,13 @@
               <a:rPr lang="zh-CN" altLang="en-US"/>
               <a:t>五级</a:t>
             </a:r>
-          </a:p>
-        </p:txBody>
-      </p:sp>
-      <p:sp>
-        <p:nvSpPr>
-          <p:cNvPr id="4" name="日期占位符 3">
-            <a:extLst>
-              <a:ext uri="{FF2B5EF4-FFF2-40B4-BE49-F238E27FC236}">
-                <a16:creationId xmlns:a16="http://schemas.microsoft.com/office/drawing/2014/main" id="{8FAA17A1-3E02-921E-36EE-0015EE053542}"/>
-              </a:ext>
-            </a:extLst>
-          </p:cNvPr>
+            <a:endParaRPr lang="zh-CN" altLang="en-US"/>
+          </a:p>
+        </p:txBody>
+      </p:sp>
+      <p:sp>
+        <p:nvSpPr>
+          <p:cNvPr id="4" name="日期占位符 3"/>
           <p:cNvSpPr>
             <a:spLocks noGrp="1"/>
           </p:cNvSpPr>
@@ -864,7 +754,6 @@
           <a:p>
             <a:fld id="{64791A55-7268-466F-989B-BE3A235EE1A6}" type="datetimeFigureOut">
               <a:rPr lang="zh-CN" altLang="en-US" smtClean="0"/>
-              <a:t>2023/12/14</a:t>
             </a:fld>
             <a:endParaRPr lang="zh-CN" altLang="en-US"/>
           </a:p>
@@ -872,13 +761,7 @@
       </p:sp>
       <p:sp>
         <p:nvSpPr>
-          <p:cNvPr id="5" name="页脚占位符 4">
-            <a:extLst>
-              <a:ext uri="{FF2B5EF4-FFF2-40B4-BE49-F238E27FC236}">
-                <a16:creationId xmlns:a16="http://schemas.microsoft.com/office/drawing/2014/main" id="{69EDC96A-3393-6618-19DC-4AE797BDFBF1}"/>
-              </a:ext>
-            </a:extLst>
-          </p:cNvPr>
+          <p:cNvPr id="5" name="页脚占位符 4"/>
           <p:cNvSpPr>
             <a:spLocks noGrp="1"/>
           </p:cNvSpPr>
@@ -897,13 +780,7 @@
       </p:sp>
       <p:sp>
         <p:nvSpPr>
-          <p:cNvPr id="6" name="灯片编号占位符 5">
-            <a:extLst>
-              <a:ext uri="{FF2B5EF4-FFF2-40B4-BE49-F238E27FC236}">
-                <a16:creationId xmlns:a16="http://schemas.microsoft.com/office/drawing/2014/main" id="{93E4AA05-EDB4-109E-350E-E58B105F9A52}"/>
-              </a:ext>
-            </a:extLst>
-          </p:cNvPr>
+          <p:cNvPr id="6" name="灯片编号占位符 5"/>
           <p:cNvSpPr>
             <a:spLocks noGrp="1"/>
           </p:cNvSpPr>
@@ -918,18 +795,12 @@
           <a:p>
             <a:fld id="{E4306733-2267-4A15-966D-3626FBD31382}" type="slidenum">
               <a:rPr lang="zh-CN" altLang="en-US" smtClean="0"/>
-              <a:t>‹#›</a:t>
             </a:fld>
             <a:endParaRPr lang="zh-CN" altLang="en-US"/>
           </a:p>
         </p:txBody>
       </p:sp>
     </p:spTree>
-    <p:extLst>
-      <p:ext uri="{BB962C8B-B14F-4D97-AF65-F5344CB8AC3E}">
-        <p14:creationId xmlns:p14="http://schemas.microsoft.com/office/powerpoint/2010/main" val="3256804618"/>
-      </p:ext>
-    </p:extLst>
   </p:cSld>
   <p:clrMapOvr>
     <a:masterClrMapping/>
@@ -956,13 +827,7 @@
       </p:grpSpPr>
       <p:sp>
         <p:nvSpPr>
-          <p:cNvPr id="2" name="标题 1">
-            <a:extLst>
-              <a:ext uri="{FF2B5EF4-FFF2-40B4-BE49-F238E27FC236}">
-                <a16:creationId xmlns:a16="http://schemas.microsoft.com/office/drawing/2014/main" id="{4487A400-CAF3-EE5C-F683-050260A27959}"/>
-              </a:ext>
-            </a:extLst>
-          </p:cNvPr>
+          <p:cNvPr id="2" name="标题 1"/>
           <p:cNvSpPr>
             <a:spLocks noGrp="1"/>
           </p:cNvSpPr>
@@ -988,18 +853,13 @@
               <a:rPr lang="zh-CN" altLang="en-US"/>
               <a:t>单击此处编辑母版标题样式</a:t>
             </a:r>
-          </a:p>
-        </p:txBody>
-      </p:sp>
-      <p:sp>
-        <p:nvSpPr>
-          <p:cNvPr id="3" name="文本占位符 2">
-            <a:extLst>
-              <a:ext uri="{FF2B5EF4-FFF2-40B4-BE49-F238E27FC236}">
-                <a16:creationId xmlns:a16="http://schemas.microsoft.com/office/drawing/2014/main" id="{41128BB5-FC11-CA65-B059-8ECDC86223C6}"/>
-              </a:ext>
-            </a:extLst>
-          </p:cNvPr>
+            <a:endParaRPr lang="zh-CN" altLang="en-US"/>
+          </a:p>
+        </p:txBody>
+      </p:sp>
+      <p:sp>
+        <p:nvSpPr>
+          <p:cNvPr id="3" name="文本占位符 2"/>
           <p:cNvSpPr>
             <a:spLocks noGrp="1"/>
           </p:cNvSpPr>
@@ -1113,18 +973,13 @@
               <a:rPr lang="zh-CN" altLang="en-US"/>
               <a:t>单击此处编辑母版文本样式</a:t>
             </a:r>
-          </a:p>
-        </p:txBody>
-      </p:sp>
-      <p:sp>
-        <p:nvSpPr>
-          <p:cNvPr id="4" name="日期占位符 3">
-            <a:extLst>
-              <a:ext uri="{FF2B5EF4-FFF2-40B4-BE49-F238E27FC236}">
-                <a16:creationId xmlns:a16="http://schemas.microsoft.com/office/drawing/2014/main" id="{AD99FE46-5492-9DAF-74CF-82CE6A3E7E1D}"/>
-              </a:ext>
-            </a:extLst>
-          </p:cNvPr>
+            <a:endParaRPr lang="zh-CN" altLang="en-US"/>
+          </a:p>
+        </p:txBody>
+      </p:sp>
+      <p:sp>
+        <p:nvSpPr>
+          <p:cNvPr id="4" name="日期占位符 3"/>
           <p:cNvSpPr>
             <a:spLocks noGrp="1"/>
           </p:cNvSpPr>
@@ -1139,7 +994,6 @@
           <a:p>
             <a:fld id="{64791A55-7268-466F-989B-BE3A235EE1A6}" type="datetimeFigureOut">
               <a:rPr lang="zh-CN" altLang="en-US" smtClean="0"/>
-              <a:t>2023/12/14</a:t>
             </a:fld>
             <a:endParaRPr lang="zh-CN" altLang="en-US"/>
           </a:p>
@@ -1147,13 +1001,7 @@
       </p:sp>
       <p:sp>
         <p:nvSpPr>
-          <p:cNvPr id="5" name="页脚占位符 4">
-            <a:extLst>
-              <a:ext uri="{FF2B5EF4-FFF2-40B4-BE49-F238E27FC236}">
-                <a16:creationId xmlns:a16="http://schemas.microsoft.com/office/drawing/2014/main" id="{D7CFCEBA-26EB-2257-E4D9-73A81D12D6C4}"/>
-              </a:ext>
-            </a:extLst>
-          </p:cNvPr>
+          <p:cNvPr id="5" name="页脚占位符 4"/>
           <p:cNvSpPr>
             <a:spLocks noGrp="1"/>
           </p:cNvSpPr>
@@ -1172,13 +1020,7 @@
       </p:sp>
       <p:sp>
         <p:nvSpPr>
-          <p:cNvPr id="6" name="灯片编号占位符 5">
-            <a:extLst>
-              <a:ext uri="{FF2B5EF4-FFF2-40B4-BE49-F238E27FC236}">
-                <a16:creationId xmlns:a16="http://schemas.microsoft.com/office/drawing/2014/main" id="{8DB0B8A5-1AA4-998C-A8F6-26DC554CB826}"/>
-              </a:ext>
-            </a:extLst>
-          </p:cNvPr>
+          <p:cNvPr id="6" name="灯片编号占位符 5"/>
           <p:cNvSpPr>
             <a:spLocks noGrp="1"/>
           </p:cNvSpPr>
@@ -1193,18 +1035,12 @@
           <a:p>
             <a:fld id="{E4306733-2267-4A15-966D-3626FBD31382}" type="slidenum">
               <a:rPr lang="zh-CN" altLang="en-US" smtClean="0"/>
-              <a:t>‹#›</a:t>
             </a:fld>
             <a:endParaRPr lang="zh-CN" altLang="en-US"/>
           </a:p>
         </p:txBody>
       </p:sp>
     </p:spTree>
-    <p:extLst>
-      <p:ext uri="{BB962C8B-B14F-4D97-AF65-F5344CB8AC3E}">
-        <p14:creationId xmlns:p14="http://schemas.microsoft.com/office/powerpoint/2010/main" val="4157496232"/>
-      </p:ext>
-    </p:extLst>
   </p:cSld>
   <p:clrMapOvr>
     <a:masterClrMapping/>
@@ -1231,13 +1067,7 @@
       </p:grpSpPr>
       <p:sp>
         <p:nvSpPr>
-          <p:cNvPr id="2" name="标题 1">
-            <a:extLst>
-              <a:ext uri="{FF2B5EF4-FFF2-40B4-BE49-F238E27FC236}">
-                <a16:creationId xmlns:a16="http://schemas.microsoft.com/office/drawing/2014/main" id="{907D3F54-ABFC-AD85-79DC-D3FC759AAD0C}"/>
-              </a:ext>
-            </a:extLst>
-          </p:cNvPr>
+          <p:cNvPr id="2" name="标题 1"/>
           <p:cNvSpPr>
             <a:spLocks noGrp="1"/>
           </p:cNvSpPr>
@@ -1254,18 +1084,13 @@
               <a:rPr lang="zh-CN" altLang="en-US"/>
               <a:t>单击此处编辑母版标题样式</a:t>
             </a:r>
-          </a:p>
-        </p:txBody>
-      </p:sp>
-      <p:sp>
-        <p:nvSpPr>
-          <p:cNvPr id="3" name="内容占位符 2">
-            <a:extLst>
-              <a:ext uri="{FF2B5EF4-FFF2-40B4-BE49-F238E27FC236}">
-                <a16:creationId xmlns:a16="http://schemas.microsoft.com/office/drawing/2014/main" id="{8C12A656-BB5B-ADDC-72AF-C505B6D92FFB}"/>
-              </a:ext>
-            </a:extLst>
-          </p:cNvPr>
+            <a:endParaRPr lang="zh-CN" altLang="en-US"/>
+          </a:p>
+        </p:txBody>
+      </p:sp>
+      <p:sp>
+        <p:nvSpPr>
+          <p:cNvPr id="3" name="内容占位符 2"/>
           <p:cNvSpPr>
             <a:spLocks noGrp="1"/>
           </p:cNvSpPr>
@@ -1288,6 +1113,7 @@
               <a:rPr lang="zh-CN" altLang="en-US"/>
               <a:t>单击此处编辑母版文本样式</a:t>
             </a:r>
+            <a:endParaRPr lang="zh-CN" altLang="en-US"/>
           </a:p>
           <a:p>
             <a:pPr lvl="1"/>
@@ -1295,6 +1121,7 @@
               <a:rPr lang="zh-CN" altLang="en-US"/>
               <a:t>二级</a:t>
             </a:r>
+            <a:endParaRPr lang="zh-CN" altLang="en-US"/>
           </a:p>
           <a:p>
             <a:pPr lvl="2"/>
@@ -1302,6 +1129,7 @@
               <a:rPr lang="zh-CN" altLang="en-US"/>
               <a:t>三级</a:t>
             </a:r>
+            <a:endParaRPr lang="zh-CN" altLang="en-US"/>
           </a:p>
           <a:p>
             <a:pPr lvl="3"/>
@@ -1309,6 +1137,7 @@
               <a:rPr lang="zh-CN" altLang="en-US"/>
               <a:t>四级</a:t>
             </a:r>
+            <a:endParaRPr lang="zh-CN" altLang="en-US"/>
           </a:p>
           <a:p>
             <a:pPr lvl="4"/>
@@ -1316,18 +1145,13 @@
               <a:rPr lang="zh-CN" altLang="en-US"/>
               <a:t>五级</a:t>
             </a:r>
-          </a:p>
-        </p:txBody>
-      </p:sp>
-      <p:sp>
-        <p:nvSpPr>
-          <p:cNvPr id="4" name="内容占位符 3">
-            <a:extLst>
-              <a:ext uri="{FF2B5EF4-FFF2-40B4-BE49-F238E27FC236}">
-                <a16:creationId xmlns:a16="http://schemas.microsoft.com/office/drawing/2014/main" id="{73577449-CE0F-40E4-815B-817D2686D669}"/>
-              </a:ext>
-            </a:extLst>
-          </p:cNvPr>
+            <a:endParaRPr lang="zh-CN" altLang="en-US"/>
+          </a:p>
+        </p:txBody>
+      </p:sp>
+      <p:sp>
+        <p:nvSpPr>
+          <p:cNvPr id="4" name="内容占位符 3"/>
           <p:cNvSpPr>
             <a:spLocks noGrp="1"/>
           </p:cNvSpPr>
@@ -1350,6 +1174,7 @@
               <a:rPr lang="zh-CN" altLang="en-US"/>
               <a:t>单击此处编辑母版文本样式</a:t>
             </a:r>
+            <a:endParaRPr lang="zh-CN" altLang="en-US"/>
           </a:p>
           <a:p>
             <a:pPr lvl="1"/>
@@ -1357,6 +1182,7 @@
               <a:rPr lang="zh-CN" altLang="en-US"/>
               <a:t>二级</a:t>
             </a:r>
+            <a:endParaRPr lang="zh-CN" altLang="en-US"/>
           </a:p>
           <a:p>
             <a:pPr lvl="2"/>
@@ -1364,6 +1190,7 @@
               <a:rPr lang="zh-CN" altLang="en-US"/>
               <a:t>三级</a:t>
             </a:r>
+            <a:endParaRPr lang="zh-CN" altLang="en-US"/>
           </a:p>
           <a:p>
             <a:pPr lvl="3"/>
@@ -1371,6 +1198,7 @@
               <a:rPr lang="zh-CN" altLang="en-US"/>
               <a:t>四级</a:t>
             </a:r>
+            <a:endParaRPr lang="zh-CN" altLang="en-US"/>
           </a:p>
           <a:p>
             <a:pPr lvl="4"/>
@@ -1378,18 +1206,13 @@
               <a:rPr lang="zh-CN" altLang="en-US"/>
               <a:t>五级</a:t>
             </a:r>
-          </a:p>
-        </p:txBody>
-      </p:sp>
-      <p:sp>
-        <p:nvSpPr>
-          <p:cNvPr id="5" name="日期占位符 4">
-            <a:extLst>
-              <a:ext uri="{FF2B5EF4-FFF2-40B4-BE49-F238E27FC236}">
-                <a16:creationId xmlns:a16="http://schemas.microsoft.com/office/drawing/2014/main" id="{42649D26-B592-610A-71AD-0F5DB738A070}"/>
-              </a:ext>
-            </a:extLst>
-          </p:cNvPr>
+            <a:endParaRPr lang="zh-CN" altLang="en-US"/>
+          </a:p>
+        </p:txBody>
+      </p:sp>
+      <p:sp>
+        <p:nvSpPr>
+          <p:cNvPr id="5" name="日期占位符 4"/>
           <p:cNvSpPr>
             <a:spLocks noGrp="1"/>
           </p:cNvSpPr>
@@ -1404,7 +1227,6 @@
           <a:p>
             <a:fld id="{64791A55-7268-466F-989B-BE3A235EE1A6}" type="datetimeFigureOut">
               <a:rPr lang="zh-CN" altLang="en-US" smtClean="0"/>
-              <a:t>2023/12/14</a:t>
             </a:fld>
             <a:endParaRPr lang="zh-CN" altLang="en-US"/>
           </a:p>
@@ -1412,13 +1234,7 @@
       </p:sp>
       <p:sp>
         <p:nvSpPr>
-          <p:cNvPr id="6" name="页脚占位符 5">
-            <a:extLst>
-              <a:ext uri="{FF2B5EF4-FFF2-40B4-BE49-F238E27FC236}">
-                <a16:creationId xmlns:a16="http://schemas.microsoft.com/office/drawing/2014/main" id="{7F1A65E4-39E8-ADCD-8E2E-1EE8CEF24D75}"/>
-              </a:ext>
-            </a:extLst>
-          </p:cNvPr>
+          <p:cNvPr id="6" name="页脚占位符 5"/>
           <p:cNvSpPr>
             <a:spLocks noGrp="1"/>
           </p:cNvSpPr>
@@ -1437,13 +1253,7 @@
       </p:sp>
       <p:sp>
         <p:nvSpPr>
-          <p:cNvPr id="7" name="灯片编号占位符 6">
-            <a:extLst>
-              <a:ext uri="{FF2B5EF4-FFF2-40B4-BE49-F238E27FC236}">
-                <a16:creationId xmlns:a16="http://schemas.microsoft.com/office/drawing/2014/main" id="{07804F70-94D6-D086-32F9-DE76D12BBC91}"/>
-              </a:ext>
-            </a:extLst>
-          </p:cNvPr>
+          <p:cNvPr id="7" name="灯片编号占位符 6"/>
           <p:cNvSpPr>
             <a:spLocks noGrp="1"/>
           </p:cNvSpPr>
@@ -1458,18 +1268,12 @@
           <a:p>
             <a:fld id="{E4306733-2267-4A15-966D-3626FBD31382}" type="slidenum">
               <a:rPr lang="zh-CN" altLang="en-US" smtClean="0"/>
-              <a:t>‹#›</a:t>
             </a:fld>
             <a:endParaRPr lang="zh-CN" altLang="en-US"/>
           </a:p>
         </p:txBody>
       </p:sp>
     </p:spTree>
-    <p:extLst>
-      <p:ext uri="{BB962C8B-B14F-4D97-AF65-F5344CB8AC3E}">
-        <p14:creationId xmlns:p14="http://schemas.microsoft.com/office/powerpoint/2010/main" val="3547711218"/>
-      </p:ext>
-    </p:extLst>
   </p:cSld>
   <p:clrMapOvr>
     <a:masterClrMapping/>
@@ -1496,13 +1300,7 @@
       </p:grpSpPr>
       <p:sp>
         <p:nvSpPr>
-          <p:cNvPr id="2" name="标题 1">
-            <a:extLst>
-              <a:ext uri="{FF2B5EF4-FFF2-40B4-BE49-F238E27FC236}">
-                <a16:creationId xmlns:a16="http://schemas.microsoft.com/office/drawing/2014/main" id="{8AA796EF-DDD2-F9DB-014C-14D0CB2DA03D}"/>
-              </a:ext>
-            </a:extLst>
-          </p:cNvPr>
+          <p:cNvPr id="2" name="标题 1"/>
           <p:cNvSpPr>
             <a:spLocks noGrp="1"/>
           </p:cNvSpPr>
@@ -1524,18 +1322,13 @@
               <a:rPr lang="zh-CN" altLang="en-US"/>
               <a:t>单击此处编辑母版标题样式</a:t>
             </a:r>
-          </a:p>
-        </p:txBody>
-      </p:sp>
-      <p:sp>
-        <p:nvSpPr>
-          <p:cNvPr id="3" name="文本占位符 2">
-            <a:extLst>
-              <a:ext uri="{FF2B5EF4-FFF2-40B4-BE49-F238E27FC236}">
-                <a16:creationId xmlns:a16="http://schemas.microsoft.com/office/drawing/2014/main" id="{6A365899-2B2D-F862-BEE7-FA2643648631}"/>
-              </a:ext>
-            </a:extLst>
-          </p:cNvPr>
+            <a:endParaRPr lang="zh-CN" altLang="en-US"/>
+          </a:p>
+        </p:txBody>
+      </p:sp>
+      <p:sp>
+        <p:nvSpPr>
+          <p:cNvPr id="3" name="文本占位符 2"/>
           <p:cNvSpPr>
             <a:spLocks noGrp="1"/>
           </p:cNvSpPr>
@@ -1595,18 +1388,13 @@
               <a:rPr lang="zh-CN" altLang="en-US"/>
               <a:t>单击此处编辑母版文本样式</a:t>
             </a:r>
-          </a:p>
-        </p:txBody>
-      </p:sp>
-      <p:sp>
-        <p:nvSpPr>
-          <p:cNvPr id="4" name="内容占位符 3">
-            <a:extLst>
-              <a:ext uri="{FF2B5EF4-FFF2-40B4-BE49-F238E27FC236}">
-                <a16:creationId xmlns:a16="http://schemas.microsoft.com/office/drawing/2014/main" id="{B30B477B-FEDB-8B6B-CF2D-4C5635ADF9CA}"/>
-              </a:ext>
-            </a:extLst>
-          </p:cNvPr>
+            <a:endParaRPr lang="zh-CN" altLang="en-US"/>
+          </a:p>
+        </p:txBody>
+      </p:sp>
+      <p:sp>
+        <p:nvSpPr>
+          <p:cNvPr id="4" name="内容占位符 3"/>
           <p:cNvSpPr>
             <a:spLocks noGrp="1"/>
           </p:cNvSpPr>
@@ -1629,6 +1417,7 @@
               <a:rPr lang="zh-CN" altLang="en-US"/>
               <a:t>单击此处编辑母版文本样式</a:t>
             </a:r>
+            <a:endParaRPr lang="zh-CN" altLang="en-US"/>
           </a:p>
           <a:p>
             <a:pPr lvl="1"/>
@@ -1636,6 +1425,7 @@
               <a:rPr lang="zh-CN" altLang="en-US"/>
               <a:t>二级</a:t>
             </a:r>
+            <a:endParaRPr lang="zh-CN" altLang="en-US"/>
           </a:p>
           <a:p>
             <a:pPr lvl="2"/>
@@ -1643,6 +1433,7 @@
               <a:rPr lang="zh-CN" altLang="en-US"/>
               <a:t>三级</a:t>
             </a:r>
+            <a:endParaRPr lang="zh-CN" altLang="en-US"/>
           </a:p>
           <a:p>
             <a:pPr lvl="3"/>
@@ -1650,6 +1441,7 @@
               <a:rPr lang="zh-CN" altLang="en-US"/>
               <a:t>四级</a:t>
             </a:r>
+            <a:endParaRPr lang="zh-CN" altLang="en-US"/>
           </a:p>
           <a:p>
             <a:pPr lvl="4"/>
@@ -1657,18 +1449,13 @@
               <a:rPr lang="zh-CN" altLang="en-US"/>
               <a:t>五级</a:t>
             </a:r>
-          </a:p>
-        </p:txBody>
-      </p:sp>
-      <p:sp>
-        <p:nvSpPr>
-          <p:cNvPr id="5" name="文本占位符 4">
-            <a:extLst>
-              <a:ext uri="{FF2B5EF4-FFF2-40B4-BE49-F238E27FC236}">
-                <a16:creationId xmlns:a16="http://schemas.microsoft.com/office/drawing/2014/main" id="{DB7FDF5F-38B4-B352-D1BB-8F9938E1D7A9}"/>
-              </a:ext>
-            </a:extLst>
-          </p:cNvPr>
+            <a:endParaRPr lang="zh-CN" altLang="en-US"/>
+          </a:p>
+        </p:txBody>
+      </p:sp>
+      <p:sp>
+        <p:nvSpPr>
+          <p:cNvPr id="5" name="文本占位符 4"/>
           <p:cNvSpPr>
             <a:spLocks noGrp="1"/>
           </p:cNvSpPr>
@@ -1728,18 +1515,13 @@
               <a:rPr lang="zh-CN" altLang="en-US"/>
               <a:t>单击此处编辑母版文本样式</a:t>
             </a:r>
-          </a:p>
-        </p:txBody>
-      </p:sp>
-      <p:sp>
-        <p:nvSpPr>
-          <p:cNvPr id="6" name="内容占位符 5">
-            <a:extLst>
-              <a:ext uri="{FF2B5EF4-FFF2-40B4-BE49-F238E27FC236}">
-                <a16:creationId xmlns:a16="http://schemas.microsoft.com/office/drawing/2014/main" id="{045A313A-FCAE-C0FA-A34C-56E3B6C724B8}"/>
-              </a:ext>
-            </a:extLst>
-          </p:cNvPr>
+            <a:endParaRPr lang="zh-CN" altLang="en-US"/>
+          </a:p>
+        </p:txBody>
+      </p:sp>
+      <p:sp>
+        <p:nvSpPr>
+          <p:cNvPr id="6" name="内容占位符 5"/>
           <p:cNvSpPr>
             <a:spLocks noGrp="1"/>
           </p:cNvSpPr>
@@ -1762,6 +1544,7 @@
               <a:rPr lang="zh-CN" altLang="en-US"/>
               <a:t>单击此处编辑母版文本样式</a:t>
             </a:r>
+            <a:endParaRPr lang="zh-CN" altLang="en-US"/>
           </a:p>
           <a:p>
             <a:pPr lvl="1"/>
@@ -1769,6 +1552,7 @@
               <a:rPr lang="zh-CN" altLang="en-US"/>
               <a:t>二级</a:t>
             </a:r>
+            <a:endParaRPr lang="zh-CN" altLang="en-US"/>
           </a:p>
           <a:p>
             <a:pPr lvl="2"/>
@@ -1776,6 +1560,7 @@
               <a:rPr lang="zh-CN" altLang="en-US"/>
               <a:t>三级</a:t>
             </a:r>
+            <a:endParaRPr lang="zh-CN" altLang="en-US"/>
           </a:p>
           <a:p>
             <a:pPr lvl="3"/>
@@ -1783,6 +1568,7 @@
               <a:rPr lang="zh-CN" altLang="en-US"/>
               <a:t>四级</a:t>
             </a:r>
+            <a:endParaRPr lang="zh-CN" altLang="en-US"/>
           </a:p>
           <a:p>
             <a:pPr lvl="4"/>
@@ -1790,18 +1576,13 @@
               <a:rPr lang="zh-CN" altLang="en-US"/>
               <a:t>五级</a:t>
             </a:r>
-          </a:p>
-        </p:txBody>
-      </p:sp>
-      <p:sp>
-        <p:nvSpPr>
-          <p:cNvPr id="7" name="日期占位符 6">
-            <a:extLst>
-              <a:ext uri="{FF2B5EF4-FFF2-40B4-BE49-F238E27FC236}">
-                <a16:creationId xmlns:a16="http://schemas.microsoft.com/office/drawing/2014/main" id="{E1EA4709-8583-9E70-1FA8-2FD036186585}"/>
-              </a:ext>
-            </a:extLst>
-          </p:cNvPr>
+            <a:endParaRPr lang="zh-CN" altLang="en-US"/>
+          </a:p>
+        </p:txBody>
+      </p:sp>
+      <p:sp>
+        <p:nvSpPr>
+          <p:cNvPr id="7" name="日期占位符 6"/>
           <p:cNvSpPr>
             <a:spLocks noGrp="1"/>
           </p:cNvSpPr>
@@ -1816,7 +1597,6 @@
           <a:p>
             <a:fld id="{64791A55-7268-466F-989B-BE3A235EE1A6}" type="datetimeFigureOut">
               <a:rPr lang="zh-CN" altLang="en-US" smtClean="0"/>
-              <a:t>2023/12/14</a:t>
             </a:fld>
             <a:endParaRPr lang="zh-CN" altLang="en-US"/>
           </a:p>
@@ -1824,13 +1604,7 @@
       </p:sp>
       <p:sp>
         <p:nvSpPr>
-          <p:cNvPr id="8" name="页脚占位符 7">
-            <a:extLst>
-              <a:ext uri="{FF2B5EF4-FFF2-40B4-BE49-F238E27FC236}">
-                <a16:creationId xmlns:a16="http://schemas.microsoft.com/office/drawing/2014/main" id="{54EE035F-C252-D92F-BB0E-8A2F51AFC98B}"/>
-              </a:ext>
-            </a:extLst>
-          </p:cNvPr>
+          <p:cNvPr id="8" name="页脚占位符 7"/>
           <p:cNvSpPr>
             <a:spLocks noGrp="1"/>
           </p:cNvSpPr>
@@ -1849,13 +1623,7 @@
       </p:sp>
       <p:sp>
         <p:nvSpPr>
-          <p:cNvPr id="9" name="灯片编号占位符 8">
-            <a:extLst>
-              <a:ext uri="{FF2B5EF4-FFF2-40B4-BE49-F238E27FC236}">
-                <a16:creationId xmlns:a16="http://schemas.microsoft.com/office/drawing/2014/main" id="{C0EE3102-4EEF-8DD5-5D9E-8B624E2BC7BE}"/>
-              </a:ext>
-            </a:extLst>
-          </p:cNvPr>
+          <p:cNvPr id="9" name="灯片编号占位符 8"/>
           <p:cNvSpPr>
             <a:spLocks noGrp="1"/>
           </p:cNvSpPr>
@@ -1870,18 +1638,12 @@
           <a:p>
             <a:fld id="{E4306733-2267-4A15-966D-3626FBD31382}" type="slidenum">
               <a:rPr lang="zh-CN" altLang="en-US" smtClean="0"/>
-              <a:t>‹#›</a:t>
             </a:fld>
             <a:endParaRPr lang="zh-CN" altLang="en-US"/>
           </a:p>
         </p:txBody>
       </p:sp>
     </p:spTree>
-    <p:extLst>
-      <p:ext uri="{BB962C8B-B14F-4D97-AF65-F5344CB8AC3E}">
-        <p14:creationId xmlns:p14="http://schemas.microsoft.com/office/powerpoint/2010/main" val="1693405409"/>
-      </p:ext>
-    </p:extLst>
   </p:cSld>
   <p:clrMapOvr>
     <a:masterClrMapping/>
@@ -1908,13 +1670,7 @@
       </p:grpSpPr>
       <p:sp>
         <p:nvSpPr>
-          <p:cNvPr id="2" name="标题 1">
-            <a:extLst>
-              <a:ext uri="{FF2B5EF4-FFF2-40B4-BE49-F238E27FC236}">
-                <a16:creationId xmlns:a16="http://schemas.microsoft.com/office/drawing/2014/main" id="{12ABD802-EC8A-6648-8C45-1854A317CD6F}"/>
-              </a:ext>
-            </a:extLst>
-          </p:cNvPr>
+          <p:cNvPr id="2" name="标题 1"/>
           <p:cNvSpPr>
             <a:spLocks noGrp="1"/>
           </p:cNvSpPr>
@@ -1931,18 +1687,13 @@
               <a:rPr lang="zh-CN" altLang="en-US"/>
               <a:t>单击此处编辑母版标题样式</a:t>
             </a:r>
-          </a:p>
-        </p:txBody>
-      </p:sp>
-      <p:sp>
-        <p:nvSpPr>
-          <p:cNvPr id="3" name="日期占位符 2">
-            <a:extLst>
-              <a:ext uri="{FF2B5EF4-FFF2-40B4-BE49-F238E27FC236}">
-                <a16:creationId xmlns:a16="http://schemas.microsoft.com/office/drawing/2014/main" id="{8014F650-E1ED-D755-8874-F55E36500948}"/>
-              </a:ext>
-            </a:extLst>
-          </p:cNvPr>
+            <a:endParaRPr lang="zh-CN" altLang="en-US"/>
+          </a:p>
+        </p:txBody>
+      </p:sp>
+      <p:sp>
+        <p:nvSpPr>
+          <p:cNvPr id="3" name="日期占位符 2"/>
           <p:cNvSpPr>
             <a:spLocks noGrp="1"/>
           </p:cNvSpPr>
@@ -1957,7 +1708,6 @@
           <a:p>
             <a:fld id="{64791A55-7268-466F-989B-BE3A235EE1A6}" type="datetimeFigureOut">
               <a:rPr lang="zh-CN" altLang="en-US" smtClean="0"/>
-              <a:t>2023/12/14</a:t>
             </a:fld>
             <a:endParaRPr lang="zh-CN" altLang="en-US"/>
           </a:p>
@@ -1965,13 +1715,7 @@
       </p:sp>
       <p:sp>
         <p:nvSpPr>
-          <p:cNvPr id="4" name="页脚占位符 3">
-            <a:extLst>
-              <a:ext uri="{FF2B5EF4-FFF2-40B4-BE49-F238E27FC236}">
-                <a16:creationId xmlns:a16="http://schemas.microsoft.com/office/drawing/2014/main" id="{68E33FA0-A9AD-8EA6-502B-4FF3094F173F}"/>
-              </a:ext>
-            </a:extLst>
-          </p:cNvPr>
+          <p:cNvPr id="4" name="页脚占位符 3"/>
           <p:cNvSpPr>
             <a:spLocks noGrp="1"/>
           </p:cNvSpPr>
@@ -1990,13 +1734,7 @@
       </p:sp>
       <p:sp>
         <p:nvSpPr>
-          <p:cNvPr id="5" name="灯片编号占位符 4">
-            <a:extLst>
-              <a:ext uri="{FF2B5EF4-FFF2-40B4-BE49-F238E27FC236}">
-                <a16:creationId xmlns:a16="http://schemas.microsoft.com/office/drawing/2014/main" id="{AC073858-58A6-6447-66F1-19C1B4B798B5}"/>
-              </a:ext>
-            </a:extLst>
-          </p:cNvPr>
+          <p:cNvPr id="5" name="灯片编号占位符 4"/>
           <p:cNvSpPr>
             <a:spLocks noGrp="1"/>
           </p:cNvSpPr>
@@ -2011,18 +1749,12 @@
           <a:p>
             <a:fld id="{E4306733-2267-4A15-966D-3626FBD31382}" type="slidenum">
               <a:rPr lang="zh-CN" altLang="en-US" smtClean="0"/>
-              <a:t>‹#›</a:t>
             </a:fld>
             <a:endParaRPr lang="zh-CN" altLang="en-US"/>
           </a:p>
         </p:txBody>
       </p:sp>
     </p:spTree>
-    <p:extLst>
-      <p:ext uri="{BB962C8B-B14F-4D97-AF65-F5344CB8AC3E}">
-        <p14:creationId xmlns:p14="http://schemas.microsoft.com/office/powerpoint/2010/main" val="4208171553"/>
-      </p:ext>
-    </p:extLst>
   </p:cSld>
   <p:clrMapOvr>
     <a:masterClrMapping/>
@@ -2049,13 +1781,7 @@
       </p:grpSpPr>
       <p:sp>
         <p:nvSpPr>
-          <p:cNvPr id="2" name="日期占位符 1">
-            <a:extLst>
-              <a:ext uri="{FF2B5EF4-FFF2-40B4-BE49-F238E27FC236}">
-                <a16:creationId xmlns:a16="http://schemas.microsoft.com/office/drawing/2014/main" id="{49314020-9C16-E78A-ABB7-7DD7DEEF2F64}"/>
-              </a:ext>
-            </a:extLst>
-          </p:cNvPr>
+          <p:cNvPr id="2" name="日期占位符 1"/>
           <p:cNvSpPr>
             <a:spLocks noGrp="1"/>
           </p:cNvSpPr>
@@ -2070,7 +1796,6 @@
           <a:p>
             <a:fld id="{64791A55-7268-466F-989B-BE3A235EE1A6}" type="datetimeFigureOut">
               <a:rPr lang="zh-CN" altLang="en-US" smtClean="0"/>
-              <a:t>2023/12/14</a:t>
             </a:fld>
             <a:endParaRPr lang="zh-CN" altLang="en-US"/>
           </a:p>
@@ -2078,13 +1803,7 @@
       </p:sp>
       <p:sp>
         <p:nvSpPr>
-          <p:cNvPr id="3" name="页脚占位符 2">
-            <a:extLst>
-              <a:ext uri="{FF2B5EF4-FFF2-40B4-BE49-F238E27FC236}">
-                <a16:creationId xmlns:a16="http://schemas.microsoft.com/office/drawing/2014/main" id="{04C23A58-AAD9-47D6-844B-61F892F72257}"/>
-              </a:ext>
-            </a:extLst>
-          </p:cNvPr>
+          <p:cNvPr id="3" name="页脚占位符 2"/>
           <p:cNvSpPr>
             <a:spLocks noGrp="1"/>
           </p:cNvSpPr>
@@ -2103,13 +1822,7 @@
       </p:sp>
       <p:sp>
         <p:nvSpPr>
-          <p:cNvPr id="4" name="灯片编号占位符 3">
-            <a:extLst>
-              <a:ext uri="{FF2B5EF4-FFF2-40B4-BE49-F238E27FC236}">
-                <a16:creationId xmlns:a16="http://schemas.microsoft.com/office/drawing/2014/main" id="{02E0058B-F3C5-2898-64A7-CADCA79C94AA}"/>
-              </a:ext>
-            </a:extLst>
-          </p:cNvPr>
+          <p:cNvPr id="4" name="灯片编号占位符 3"/>
           <p:cNvSpPr>
             <a:spLocks noGrp="1"/>
           </p:cNvSpPr>
@@ -2124,18 +1837,12 @@
           <a:p>
             <a:fld id="{E4306733-2267-4A15-966D-3626FBD31382}" type="slidenum">
               <a:rPr lang="zh-CN" altLang="en-US" smtClean="0"/>
-              <a:t>‹#›</a:t>
             </a:fld>
             <a:endParaRPr lang="zh-CN" altLang="en-US"/>
           </a:p>
         </p:txBody>
       </p:sp>
     </p:spTree>
-    <p:extLst>
-      <p:ext uri="{BB962C8B-B14F-4D97-AF65-F5344CB8AC3E}">
-        <p14:creationId xmlns:p14="http://schemas.microsoft.com/office/powerpoint/2010/main" val="2603736469"/>
-      </p:ext>
-    </p:extLst>
   </p:cSld>
   <p:clrMapOvr>
     <a:masterClrMapping/>
@@ -2162,13 +1869,7 @@
       </p:grpSpPr>
       <p:sp>
         <p:nvSpPr>
-          <p:cNvPr id="2" name="标题 1">
-            <a:extLst>
-              <a:ext uri="{FF2B5EF4-FFF2-40B4-BE49-F238E27FC236}">
-                <a16:creationId xmlns:a16="http://schemas.microsoft.com/office/drawing/2014/main" id="{50CD92DE-36EB-C412-69A4-289A30DEE3F1}"/>
-              </a:ext>
-            </a:extLst>
-          </p:cNvPr>
+          <p:cNvPr id="2" name="标题 1"/>
           <p:cNvSpPr>
             <a:spLocks noGrp="1"/>
           </p:cNvSpPr>
@@ -2194,18 +1895,13 @@
               <a:rPr lang="zh-CN" altLang="en-US"/>
               <a:t>单击此处编辑母版标题样式</a:t>
             </a:r>
-          </a:p>
-        </p:txBody>
-      </p:sp>
-      <p:sp>
-        <p:nvSpPr>
-          <p:cNvPr id="3" name="内容占位符 2">
-            <a:extLst>
-              <a:ext uri="{FF2B5EF4-FFF2-40B4-BE49-F238E27FC236}">
-                <a16:creationId xmlns:a16="http://schemas.microsoft.com/office/drawing/2014/main" id="{446603B5-11E0-7829-5417-D6391944621D}"/>
-              </a:ext>
-            </a:extLst>
-          </p:cNvPr>
+            <a:endParaRPr lang="zh-CN" altLang="en-US"/>
+          </a:p>
+        </p:txBody>
+      </p:sp>
+      <p:sp>
+        <p:nvSpPr>
+          <p:cNvPr id="3" name="内容占位符 2"/>
           <p:cNvSpPr>
             <a:spLocks noGrp="1"/>
           </p:cNvSpPr>
@@ -2256,6 +1952,7 @@
               <a:rPr lang="zh-CN" altLang="en-US"/>
               <a:t>单击此处编辑母版文本样式</a:t>
             </a:r>
+            <a:endParaRPr lang="zh-CN" altLang="en-US"/>
           </a:p>
           <a:p>
             <a:pPr lvl="1"/>
@@ -2263,6 +1960,7 @@
               <a:rPr lang="zh-CN" altLang="en-US"/>
               <a:t>二级</a:t>
             </a:r>
+            <a:endParaRPr lang="zh-CN" altLang="en-US"/>
           </a:p>
           <a:p>
             <a:pPr lvl="2"/>
@@ -2270,6 +1968,7 @@
               <a:rPr lang="zh-CN" altLang="en-US"/>
               <a:t>三级</a:t>
             </a:r>
+            <a:endParaRPr lang="zh-CN" altLang="en-US"/>
           </a:p>
           <a:p>
             <a:pPr lvl="3"/>
@@ -2277,6 +1976,7 @@
               <a:rPr lang="zh-CN" altLang="en-US"/>
               <a:t>四级</a:t>
             </a:r>
+            <a:endParaRPr lang="zh-CN" altLang="en-US"/>
           </a:p>
           <a:p>
             <a:pPr lvl="4"/>
@@ -2284,18 +1984,13 @@
               <a:rPr lang="zh-CN" altLang="en-US"/>
               <a:t>五级</a:t>
             </a:r>
-          </a:p>
-        </p:txBody>
-      </p:sp>
-      <p:sp>
-        <p:nvSpPr>
-          <p:cNvPr id="4" name="文本占位符 3">
-            <a:extLst>
-              <a:ext uri="{FF2B5EF4-FFF2-40B4-BE49-F238E27FC236}">
-                <a16:creationId xmlns:a16="http://schemas.microsoft.com/office/drawing/2014/main" id="{89673E25-A458-66A5-EB3B-0C6E49D04A8D}"/>
-              </a:ext>
-            </a:extLst>
-          </p:cNvPr>
+            <a:endParaRPr lang="zh-CN" altLang="en-US"/>
+          </a:p>
+        </p:txBody>
+      </p:sp>
+      <p:sp>
+        <p:nvSpPr>
+          <p:cNvPr id="4" name="文本占位符 3"/>
           <p:cNvSpPr>
             <a:spLocks noGrp="1"/>
           </p:cNvSpPr>
@@ -2355,18 +2050,13 @@
               <a:rPr lang="zh-CN" altLang="en-US"/>
               <a:t>单击此处编辑母版文本样式</a:t>
             </a:r>
-          </a:p>
-        </p:txBody>
-      </p:sp>
-      <p:sp>
-        <p:nvSpPr>
-          <p:cNvPr id="5" name="日期占位符 4">
-            <a:extLst>
-              <a:ext uri="{FF2B5EF4-FFF2-40B4-BE49-F238E27FC236}">
-                <a16:creationId xmlns:a16="http://schemas.microsoft.com/office/drawing/2014/main" id="{2DD185E4-3142-0D27-7CA1-3E971CB4037D}"/>
-              </a:ext>
-            </a:extLst>
-          </p:cNvPr>
+            <a:endParaRPr lang="zh-CN" altLang="en-US"/>
+          </a:p>
+        </p:txBody>
+      </p:sp>
+      <p:sp>
+        <p:nvSpPr>
+          <p:cNvPr id="5" name="日期占位符 4"/>
           <p:cNvSpPr>
             <a:spLocks noGrp="1"/>
           </p:cNvSpPr>
@@ -2381,7 +2071,6 @@
           <a:p>
             <a:fld id="{64791A55-7268-466F-989B-BE3A235EE1A6}" type="datetimeFigureOut">
               <a:rPr lang="zh-CN" altLang="en-US" smtClean="0"/>
-              <a:t>2023/12/14</a:t>
             </a:fld>
             <a:endParaRPr lang="zh-CN" altLang="en-US"/>
           </a:p>
@@ -2389,13 +2078,7 @@
       </p:sp>
       <p:sp>
         <p:nvSpPr>
-          <p:cNvPr id="6" name="页脚占位符 5">
-            <a:extLst>
-              <a:ext uri="{FF2B5EF4-FFF2-40B4-BE49-F238E27FC236}">
-                <a16:creationId xmlns:a16="http://schemas.microsoft.com/office/drawing/2014/main" id="{3B2A0F3D-66A7-067A-72EC-23651EE715A5}"/>
-              </a:ext>
-            </a:extLst>
-          </p:cNvPr>
+          <p:cNvPr id="6" name="页脚占位符 5"/>
           <p:cNvSpPr>
             <a:spLocks noGrp="1"/>
           </p:cNvSpPr>
@@ -2414,13 +2097,7 @@
       </p:sp>
       <p:sp>
         <p:nvSpPr>
-          <p:cNvPr id="7" name="灯片编号占位符 6">
-            <a:extLst>
-              <a:ext uri="{FF2B5EF4-FFF2-40B4-BE49-F238E27FC236}">
-                <a16:creationId xmlns:a16="http://schemas.microsoft.com/office/drawing/2014/main" id="{9BF1ADE9-8E87-3636-A33A-228C950731AF}"/>
-              </a:ext>
-            </a:extLst>
-          </p:cNvPr>
+          <p:cNvPr id="7" name="灯片编号占位符 6"/>
           <p:cNvSpPr>
             <a:spLocks noGrp="1"/>
           </p:cNvSpPr>
@@ -2435,18 +2112,12 @@
           <a:p>
             <a:fld id="{E4306733-2267-4A15-966D-3626FBD31382}" type="slidenum">
               <a:rPr lang="zh-CN" altLang="en-US" smtClean="0"/>
-              <a:t>‹#›</a:t>
             </a:fld>
             <a:endParaRPr lang="zh-CN" altLang="en-US"/>
           </a:p>
         </p:txBody>
       </p:sp>
     </p:spTree>
-    <p:extLst>
-      <p:ext uri="{BB962C8B-B14F-4D97-AF65-F5344CB8AC3E}">
-        <p14:creationId xmlns:p14="http://schemas.microsoft.com/office/powerpoint/2010/main" val="844996735"/>
-      </p:ext>
-    </p:extLst>
   </p:cSld>
   <p:clrMapOvr>
     <a:masterClrMapping/>
@@ -2473,13 +2144,7 @@
       </p:grpSpPr>
       <p:sp>
         <p:nvSpPr>
-          <p:cNvPr id="2" name="标题 1">
-            <a:extLst>
-              <a:ext uri="{FF2B5EF4-FFF2-40B4-BE49-F238E27FC236}">
-                <a16:creationId xmlns:a16="http://schemas.microsoft.com/office/drawing/2014/main" id="{65CC9E50-5785-D638-6437-7DE5AC24C8D9}"/>
-              </a:ext>
-            </a:extLst>
-          </p:cNvPr>
+          <p:cNvPr id="2" name="标题 1"/>
           <p:cNvSpPr>
             <a:spLocks noGrp="1"/>
           </p:cNvSpPr>
@@ -2505,18 +2170,13 @@
               <a:rPr lang="zh-CN" altLang="en-US"/>
               <a:t>单击此处编辑母版标题样式</a:t>
             </a:r>
-          </a:p>
-        </p:txBody>
-      </p:sp>
-      <p:sp>
-        <p:nvSpPr>
-          <p:cNvPr id="3" name="图片占位符 2">
-            <a:extLst>
-              <a:ext uri="{FF2B5EF4-FFF2-40B4-BE49-F238E27FC236}">
-                <a16:creationId xmlns:a16="http://schemas.microsoft.com/office/drawing/2014/main" id="{15BB7D53-856C-E72E-FC40-5B0F41E8242D}"/>
-              </a:ext>
-            </a:extLst>
-          </p:cNvPr>
+            <a:endParaRPr lang="zh-CN" altLang="en-US"/>
+          </a:p>
+        </p:txBody>
+      </p:sp>
+      <p:sp>
+        <p:nvSpPr>
+          <p:cNvPr id="3" name="图片占位符 2"/>
           <p:cNvSpPr>
             <a:spLocks noGrp="1"/>
           </p:cNvSpPr>
@@ -2577,13 +2237,7 @@
       </p:sp>
       <p:sp>
         <p:nvSpPr>
-          <p:cNvPr id="4" name="文本占位符 3">
-            <a:extLst>
-              <a:ext uri="{FF2B5EF4-FFF2-40B4-BE49-F238E27FC236}">
-                <a16:creationId xmlns:a16="http://schemas.microsoft.com/office/drawing/2014/main" id="{EB0AFAD4-145B-7951-73C2-672AFA4E21E2}"/>
-              </a:ext>
-            </a:extLst>
-          </p:cNvPr>
+          <p:cNvPr id="4" name="文本占位符 3"/>
           <p:cNvSpPr>
             <a:spLocks noGrp="1"/>
           </p:cNvSpPr>
@@ -2643,18 +2297,13 @@
               <a:rPr lang="zh-CN" altLang="en-US"/>
               <a:t>单击此处编辑母版文本样式</a:t>
             </a:r>
-          </a:p>
-        </p:txBody>
-      </p:sp>
-      <p:sp>
-        <p:nvSpPr>
-          <p:cNvPr id="5" name="日期占位符 4">
-            <a:extLst>
-              <a:ext uri="{FF2B5EF4-FFF2-40B4-BE49-F238E27FC236}">
-                <a16:creationId xmlns:a16="http://schemas.microsoft.com/office/drawing/2014/main" id="{6414035F-CA84-D29F-C30C-703BE886CD24}"/>
-              </a:ext>
-            </a:extLst>
-          </p:cNvPr>
+            <a:endParaRPr lang="zh-CN" altLang="en-US"/>
+          </a:p>
+        </p:txBody>
+      </p:sp>
+      <p:sp>
+        <p:nvSpPr>
+          <p:cNvPr id="5" name="日期占位符 4"/>
           <p:cNvSpPr>
             <a:spLocks noGrp="1"/>
           </p:cNvSpPr>
@@ -2669,7 +2318,6 @@
           <a:p>
             <a:fld id="{64791A55-7268-466F-989B-BE3A235EE1A6}" type="datetimeFigureOut">
               <a:rPr lang="zh-CN" altLang="en-US" smtClean="0"/>
-              <a:t>2023/12/14</a:t>
             </a:fld>
             <a:endParaRPr lang="zh-CN" altLang="en-US"/>
           </a:p>
@@ -2677,13 +2325,7 @@
       </p:sp>
       <p:sp>
         <p:nvSpPr>
-          <p:cNvPr id="6" name="页脚占位符 5">
-            <a:extLst>
-              <a:ext uri="{FF2B5EF4-FFF2-40B4-BE49-F238E27FC236}">
-                <a16:creationId xmlns:a16="http://schemas.microsoft.com/office/drawing/2014/main" id="{303B1E46-432D-87EF-A979-316B9B999E3F}"/>
-              </a:ext>
-            </a:extLst>
-          </p:cNvPr>
+          <p:cNvPr id="6" name="页脚占位符 5"/>
           <p:cNvSpPr>
             <a:spLocks noGrp="1"/>
           </p:cNvSpPr>
@@ -2702,13 +2344,7 @@
       </p:sp>
       <p:sp>
         <p:nvSpPr>
-          <p:cNvPr id="7" name="灯片编号占位符 6">
-            <a:extLst>
-              <a:ext uri="{FF2B5EF4-FFF2-40B4-BE49-F238E27FC236}">
-                <a16:creationId xmlns:a16="http://schemas.microsoft.com/office/drawing/2014/main" id="{A23793BF-DBC5-BBFC-E70A-666CE080F6A2}"/>
-              </a:ext>
-            </a:extLst>
-          </p:cNvPr>
+          <p:cNvPr id="7" name="灯片编号占位符 6"/>
           <p:cNvSpPr>
             <a:spLocks noGrp="1"/>
           </p:cNvSpPr>
@@ -2723,18 +2359,12 @@
           <a:p>
             <a:fld id="{E4306733-2267-4A15-966D-3626FBD31382}" type="slidenum">
               <a:rPr lang="zh-CN" altLang="en-US" smtClean="0"/>
-              <a:t>‹#›</a:t>
             </a:fld>
             <a:endParaRPr lang="zh-CN" altLang="en-US"/>
           </a:p>
         </p:txBody>
       </p:sp>
     </p:spTree>
-    <p:extLst>
-      <p:ext uri="{BB962C8B-B14F-4D97-AF65-F5344CB8AC3E}">
-        <p14:creationId xmlns:p14="http://schemas.microsoft.com/office/powerpoint/2010/main" val="1909543562"/>
-      </p:ext>
-    </p:extLst>
   </p:cSld>
   <p:clrMapOvr>
     <a:masterClrMapping/>
@@ -2766,13 +2396,7 @@
       </p:grpSpPr>
       <p:sp>
         <p:nvSpPr>
-          <p:cNvPr id="2" name="标题占位符 1">
-            <a:extLst>
-              <a:ext uri="{FF2B5EF4-FFF2-40B4-BE49-F238E27FC236}">
-                <a16:creationId xmlns:a16="http://schemas.microsoft.com/office/drawing/2014/main" id="{3C33D1FC-B0C3-04EB-A1C3-01C12D70B77D}"/>
-              </a:ext>
-            </a:extLst>
-          </p:cNvPr>
+          <p:cNvPr id="2" name="标题占位符 1"/>
           <p:cNvSpPr>
             <a:spLocks noGrp="1"/>
           </p:cNvSpPr>
@@ -2799,18 +2423,13 @@
               <a:rPr lang="zh-CN" altLang="en-US"/>
               <a:t>单击此处编辑母版标题样式</a:t>
             </a:r>
-          </a:p>
-        </p:txBody>
-      </p:sp>
-      <p:sp>
-        <p:nvSpPr>
-          <p:cNvPr id="3" name="文本占位符 2">
-            <a:extLst>
-              <a:ext uri="{FF2B5EF4-FFF2-40B4-BE49-F238E27FC236}">
-                <a16:creationId xmlns:a16="http://schemas.microsoft.com/office/drawing/2014/main" id="{5A85C903-8097-43AC-AFD2-37BD1BB2C4E1}"/>
-              </a:ext>
-            </a:extLst>
-          </p:cNvPr>
+            <a:endParaRPr lang="zh-CN" altLang="en-US"/>
+          </a:p>
+        </p:txBody>
+      </p:sp>
+      <p:sp>
+        <p:nvSpPr>
+          <p:cNvPr id="3" name="文本占位符 2"/>
           <p:cNvSpPr>
             <a:spLocks noGrp="1"/>
           </p:cNvSpPr>
@@ -2838,6 +2457,7 @@
               <a:rPr lang="zh-CN" altLang="en-US"/>
               <a:t>单击此处编辑母版文本样式</a:t>
             </a:r>
+            <a:endParaRPr lang="zh-CN" altLang="en-US"/>
           </a:p>
           <a:p>
             <a:pPr lvl="1"/>
@@ -2845,6 +2465,7 @@
               <a:rPr lang="zh-CN" altLang="en-US"/>
               <a:t>二级</a:t>
             </a:r>
+            <a:endParaRPr lang="zh-CN" altLang="en-US"/>
           </a:p>
           <a:p>
             <a:pPr lvl="2"/>
@@ -2852,6 +2473,7 @@
               <a:rPr lang="zh-CN" altLang="en-US"/>
               <a:t>三级</a:t>
             </a:r>
+            <a:endParaRPr lang="zh-CN" altLang="en-US"/>
           </a:p>
           <a:p>
             <a:pPr lvl="3"/>
@@ -2859,6 +2481,7 @@
               <a:rPr lang="zh-CN" altLang="en-US"/>
               <a:t>四级</a:t>
             </a:r>
+            <a:endParaRPr lang="zh-CN" altLang="en-US"/>
           </a:p>
           <a:p>
             <a:pPr lvl="4"/>
@@ -2866,18 +2489,13 @@
               <a:rPr lang="zh-CN" altLang="en-US"/>
               <a:t>五级</a:t>
             </a:r>
-          </a:p>
-        </p:txBody>
-      </p:sp>
-      <p:sp>
-        <p:nvSpPr>
-          <p:cNvPr id="4" name="日期占位符 3">
-            <a:extLst>
-              <a:ext uri="{FF2B5EF4-FFF2-40B4-BE49-F238E27FC236}">
-                <a16:creationId xmlns:a16="http://schemas.microsoft.com/office/drawing/2014/main" id="{2115CA01-0448-F800-89A1-CB4601597DAF}"/>
-              </a:ext>
-            </a:extLst>
-          </p:cNvPr>
+            <a:endParaRPr lang="zh-CN" altLang="en-US"/>
+          </a:p>
+        </p:txBody>
+      </p:sp>
+      <p:sp>
+        <p:nvSpPr>
+          <p:cNvPr id="4" name="日期占位符 3"/>
           <p:cNvSpPr>
             <a:spLocks noGrp="1"/>
           </p:cNvSpPr>
@@ -2910,7 +2528,6 @@
           <a:p>
             <a:fld id="{64791A55-7268-466F-989B-BE3A235EE1A6}" type="datetimeFigureOut">
               <a:rPr lang="zh-CN" altLang="en-US" smtClean="0"/>
-              <a:t>2023/12/14</a:t>
             </a:fld>
             <a:endParaRPr lang="zh-CN" altLang="en-US"/>
           </a:p>
@@ -2918,13 +2535,7 @@
       </p:sp>
       <p:sp>
         <p:nvSpPr>
-          <p:cNvPr id="5" name="页脚占位符 4">
-            <a:extLst>
-              <a:ext uri="{FF2B5EF4-FFF2-40B4-BE49-F238E27FC236}">
-                <a16:creationId xmlns:a16="http://schemas.microsoft.com/office/drawing/2014/main" id="{EB53DDE6-58D6-66FE-0F8E-819234645F95}"/>
-              </a:ext>
-            </a:extLst>
-          </p:cNvPr>
+          <p:cNvPr id="5" name="页脚占位符 4"/>
           <p:cNvSpPr>
             <a:spLocks noGrp="1"/>
           </p:cNvSpPr>
@@ -2961,13 +2572,7 @@
       </p:sp>
       <p:sp>
         <p:nvSpPr>
-          <p:cNvPr id="6" name="灯片编号占位符 5">
-            <a:extLst>
-              <a:ext uri="{FF2B5EF4-FFF2-40B4-BE49-F238E27FC236}">
-                <a16:creationId xmlns:a16="http://schemas.microsoft.com/office/drawing/2014/main" id="{0A86BCF4-176B-DC85-F988-A32C5A2E8259}"/>
-              </a:ext>
-            </a:extLst>
-          </p:cNvPr>
+          <p:cNvPr id="6" name="灯片编号占位符 5"/>
           <p:cNvSpPr>
             <a:spLocks noGrp="1"/>
           </p:cNvSpPr>
@@ -3000,18 +2605,12 @@
           <a:p>
             <a:fld id="{E4306733-2267-4A15-966D-3626FBD31382}" type="slidenum">
               <a:rPr lang="zh-CN" altLang="en-US" smtClean="0"/>
-              <a:t>‹#›</a:t>
             </a:fld>
             <a:endParaRPr lang="zh-CN" altLang="en-US"/>
           </a:p>
         </p:txBody>
       </p:sp>
     </p:spTree>
-    <p:extLst>
-      <p:ext uri="{BB962C8B-B14F-4D97-AF65-F5344CB8AC3E}">
-        <p14:creationId xmlns:p14="http://schemas.microsoft.com/office/powerpoint/2010/main" val="129090115"/>
-      </p:ext>
-    </p:extLst>
   </p:cSld>
   <p:clrMap bg1="lt1" tx1="dk1" bg2="lt2" tx2="dk2" accent1="accent1" accent2="accent2" accent3="accent3" accent4="accent4" accent5="accent5" accent6="accent6" hlink="hlink" folHlink="folHlink"/>
   <p:sldLayoutIdLst>
@@ -3329,13 +2928,7 @@
       </p:grpSpPr>
       <p:sp>
         <p:nvSpPr>
-          <p:cNvPr id="2" name="标题 1">
-            <a:extLst>
-              <a:ext uri="{FF2B5EF4-FFF2-40B4-BE49-F238E27FC236}">
-                <a16:creationId xmlns:a16="http://schemas.microsoft.com/office/drawing/2014/main" id="{D66937C9-B313-3083-93E4-1E00D910CBBD}"/>
-              </a:ext>
-            </a:extLst>
-          </p:cNvPr>
+          <p:cNvPr id="2" name="标题 1"/>
           <p:cNvSpPr>
             <a:spLocks noGrp="1"/>
           </p:cNvSpPr>
@@ -3356,18 +2949,13 @@
               <a:rPr lang="zh-CN" altLang="en-US" dirty="0"/>
               <a:t>笔记</a:t>
             </a:r>
-          </a:p>
-        </p:txBody>
-      </p:sp>
-      <p:sp>
-        <p:nvSpPr>
-          <p:cNvPr id="3" name="副标题 2">
-            <a:extLst>
-              <a:ext uri="{FF2B5EF4-FFF2-40B4-BE49-F238E27FC236}">
-                <a16:creationId xmlns:a16="http://schemas.microsoft.com/office/drawing/2014/main" id="{EC482E95-FF6A-F438-84EE-A4F04706B913}"/>
-              </a:ext>
-            </a:extLst>
-          </p:cNvPr>
+            <a:endParaRPr lang="zh-CN" altLang="en-US" dirty="0"/>
+          </a:p>
+        </p:txBody>
+      </p:sp>
+      <p:sp>
+        <p:nvSpPr>
+          <p:cNvPr id="3" name="副标题 2"/>
           <p:cNvSpPr>
             <a:spLocks noGrp="1"/>
           </p:cNvSpPr>
@@ -3385,11 +2973,6 @@
         </p:txBody>
       </p:sp>
     </p:spTree>
-    <p:extLst>
-      <p:ext uri="{BB962C8B-B14F-4D97-AF65-F5344CB8AC3E}">
-        <p14:creationId xmlns:p14="http://schemas.microsoft.com/office/powerpoint/2010/main" val="3623148410"/>
-      </p:ext>
-    </p:extLst>
   </p:cSld>
   <p:clrMapOvr>
     <a:masterClrMapping/>
@@ -3416,13 +2999,7 @@
       </p:grpSpPr>
       <p:sp>
         <p:nvSpPr>
-          <p:cNvPr id="4" name="矩形: 圆角 3">
-            <a:extLst>
-              <a:ext uri="{FF2B5EF4-FFF2-40B4-BE49-F238E27FC236}">
-                <a16:creationId xmlns:a16="http://schemas.microsoft.com/office/drawing/2014/main" id="{459C4F2C-640D-59D2-7CBD-023735851B06}"/>
-              </a:ext>
-            </a:extLst>
-          </p:cNvPr>
+          <p:cNvPr id="4" name="矩形: 圆角 3"/>
           <p:cNvSpPr/>
           <p:nvPr/>
         </p:nvSpPr>
@@ -3458,18 +3035,13 @@
               <a:rPr lang="zh-CN" altLang="en-US" dirty="0"/>
               <a:t>宿主机目录</a:t>
             </a:r>
-          </a:p>
-        </p:txBody>
-      </p:sp>
-      <p:sp>
-        <p:nvSpPr>
-          <p:cNvPr id="5" name="矩形: 圆角 4">
-            <a:extLst>
-              <a:ext uri="{FF2B5EF4-FFF2-40B4-BE49-F238E27FC236}">
-                <a16:creationId xmlns:a16="http://schemas.microsoft.com/office/drawing/2014/main" id="{D37CAD9F-9D88-8DB6-CED5-0C2355A01255}"/>
-              </a:ext>
-            </a:extLst>
-          </p:cNvPr>
+            <a:endParaRPr lang="zh-CN" altLang="en-US" dirty="0"/>
+          </a:p>
+        </p:txBody>
+      </p:sp>
+      <p:sp>
+        <p:nvSpPr>
+          <p:cNvPr id="5" name="矩形: 圆角 4"/>
           <p:cNvSpPr/>
           <p:nvPr/>
         </p:nvSpPr>
@@ -3505,18 +3077,13 @@
               <a:rPr lang="zh-CN" altLang="en-US" dirty="0"/>
               <a:t>数据卷容器</a:t>
             </a:r>
-          </a:p>
-        </p:txBody>
-      </p:sp>
-      <p:sp>
-        <p:nvSpPr>
-          <p:cNvPr id="6" name="矩形: 圆角 5">
-            <a:extLst>
-              <a:ext uri="{FF2B5EF4-FFF2-40B4-BE49-F238E27FC236}">
-                <a16:creationId xmlns:a16="http://schemas.microsoft.com/office/drawing/2014/main" id="{49E9FD9C-6250-A385-F514-347F295F992B}"/>
-              </a:ext>
-            </a:extLst>
-          </p:cNvPr>
+            <a:endParaRPr lang="zh-CN" altLang="en-US" dirty="0"/>
+          </a:p>
+        </p:txBody>
+      </p:sp>
+      <p:sp>
+        <p:nvSpPr>
+          <p:cNvPr id="6" name="矩形: 圆角 5"/>
           <p:cNvSpPr/>
           <p:nvPr/>
         </p:nvSpPr>
@@ -3558,13 +3125,7 @@
       </p:sp>
       <p:sp>
         <p:nvSpPr>
-          <p:cNvPr id="7" name="矩形: 圆角 6">
-            <a:extLst>
-              <a:ext uri="{FF2B5EF4-FFF2-40B4-BE49-F238E27FC236}">
-                <a16:creationId xmlns:a16="http://schemas.microsoft.com/office/drawing/2014/main" id="{88AAC76D-F65B-17B1-8DA2-2F213A219A31}"/>
-              </a:ext>
-            </a:extLst>
-          </p:cNvPr>
+          <p:cNvPr id="7" name="矩形: 圆角 6"/>
           <p:cNvSpPr/>
           <p:nvPr/>
         </p:nvSpPr>
@@ -3606,13 +3167,7 @@
       </p:sp>
       <p:sp>
         <p:nvSpPr>
-          <p:cNvPr id="8" name="矩形: 圆角 7">
-            <a:extLst>
-              <a:ext uri="{FF2B5EF4-FFF2-40B4-BE49-F238E27FC236}">
-                <a16:creationId xmlns:a16="http://schemas.microsoft.com/office/drawing/2014/main" id="{BDAB90AE-376D-84A5-3B11-44B53AAD95E0}"/>
-              </a:ext>
-            </a:extLst>
-          </p:cNvPr>
+          <p:cNvPr id="8" name="矩形: 圆角 7"/>
           <p:cNvSpPr/>
           <p:nvPr/>
         </p:nvSpPr>
@@ -3654,13 +3209,7 @@
       </p:sp>
       <p:sp>
         <p:nvSpPr>
-          <p:cNvPr id="9" name="矩形: 圆角 8">
-            <a:extLst>
-              <a:ext uri="{FF2B5EF4-FFF2-40B4-BE49-F238E27FC236}">
-                <a16:creationId xmlns:a16="http://schemas.microsoft.com/office/drawing/2014/main" id="{0431AA7D-5A19-2EFC-B886-F451ACE1ED9E}"/>
-              </a:ext>
-            </a:extLst>
-          </p:cNvPr>
+          <p:cNvPr id="9" name="矩形: 圆角 8"/>
           <p:cNvSpPr/>
           <p:nvPr/>
         </p:nvSpPr>
@@ -3702,13 +3251,7 @@
       </p:sp>
       <p:sp>
         <p:nvSpPr>
-          <p:cNvPr id="10" name="箭头: 右 9">
-            <a:extLst>
-              <a:ext uri="{FF2B5EF4-FFF2-40B4-BE49-F238E27FC236}">
-                <a16:creationId xmlns:a16="http://schemas.microsoft.com/office/drawing/2014/main" id="{99B1BC33-D68C-D399-11B3-7A956437981A}"/>
-              </a:ext>
-            </a:extLst>
-          </p:cNvPr>
+          <p:cNvPr id="10" name="箭头: 右 9"/>
           <p:cNvSpPr/>
           <p:nvPr/>
         </p:nvSpPr>
@@ -3746,13 +3289,7 @@
       </p:sp>
       <p:sp>
         <p:nvSpPr>
-          <p:cNvPr id="12" name="箭头: 右 11">
-            <a:extLst>
-              <a:ext uri="{FF2B5EF4-FFF2-40B4-BE49-F238E27FC236}">
-                <a16:creationId xmlns:a16="http://schemas.microsoft.com/office/drawing/2014/main" id="{3DDF86EA-A9F1-4D34-43FD-647DAF0136C0}"/>
-              </a:ext>
-            </a:extLst>
-          </p:cNvPr>
+          <p:cNvPr id="12" name="箭头: 右 11"/>
           <p:cNvSpPr/>
           <p:nvPr/>
         </p:nvSpPr>
@@ -3790,13 +3327,7 @@
       </p:sp>
       <p:sp>
         <p:nvSpPr>
-          <p:cNvPr id="13" name="箭头: 右 12">
-            <a:extLst>
-              <a:ext uri="{FF2B5EF4-FFF2-40B4-BE49-F238E27FC236}">
-                <a16:creationId xmlns:a16="http://schemas.microsoft.com/office/drawing/2014/main" id="{59BE1737-7FC4-8196-DCB4-DF6A4D5E9C87}"/>
-              </a:ext>
-            </a:extLst>
-          </p:cNvPr>
+          <p:cNvPr id="13" name="箭头: 右 12"/>
           <p:cNvSpPr/>
           <p:nvPr/>
         </p:nvSpPr>
@@ -3834,13 +3365,7 @@
       </p:sp>
       <p:sp>
         <p:nvSpPr>
-          <p:cNvPr id="14" name="箭头: 右 13">
-            <a:extLst>
-              <a:ext uri="{FF2B5EF4-FFF2-40B4-BE49-F238E27FC236}">
-                <a16:creationId xmlns:a16="http://schemas.microsoft.com/office/drawing/2014/main" id="{3F09960F-EB3D-F3A1-0FC5-AA82FF064CB6}"/>
-              </a:ext>
-            </a:extLst>
-          </p:cNvPr>
+          <p:cNvPr id="14" name="箭头: 右 13"/>
           <p:cNvSpPr/>
           <p:nvPr/>
         </p:nvSpPr>
@@ -3878,13 +3403,7 @@
       </p:sp>
       <p:sp>
         <p:nvSpPr>
-          <p:cNvPr id="15" name="箭头: 右 14">
-            <a:extLst>
-              <a:ext uri="{FF2B5EF4-FFF2-40B4-BE49-F238E27FC236}">
-                <a16:creationId xmlns:a16="http://schemas.microsoft.com/office/drawing/2014/main" id="{E212D4D8-B2D5-0570-04AB-D89BECB00DDC}"/>
-              </a:ext>
-            </a:extLst>
-          </p:cNvPr>
+          <p:cNvPr id="15" name="箭头: 右 14"/>
           <p:cNvSpPr/>
           <p:nvPr/>
         </p:nvSpPr>
@@ -3921,16 +3440,759 @@
         </p:txBody>
       </p:sp>
     </p:spTree>
-    <p:extLst>
-      <p:ext uri="{BB962C8B-B14F-4D97-AF65-F5344CB8AC3E}">
-        <p14:creationId xmlns:p14="http://schemas.microsoft.com/office/powerpoint/2010/main" val="815915214"/>
-      </p:ext>
-    </p:extLst>
   </p:cSld>
   <p:clrMapOvr>
     <a:masterClrMapping/>
   </p:clrMapOvr>
 </p:sld>
+</file>
+
+<file path=ppt/slides/slide3.xml><?xml version="1.0" encoding="utf-8"?>
+<p:sld xmlns:a="http://schemas.openxmlformats.org/drawingml/2006/main" xmlns:r="http://schemas.openxmlformats.org/officeDocument/2006/relationships" xmlns:p="http://schemas.openxmlformats.org/presentationml/2006/main">
+  <p:cSld>
+    <p:spTree>
+      <p:nvGrpSpPr>
+        <p:cNvPr id="1" name=""/>
+        <p:cNvGrpSpPr/>
+        <p:nvPr/>
+      </p:nvGrpSpPr>
+      <p:grpSpPr/>
+      <p:sp>
+        <p:nvSpPr>
+          <p:cNvPr id="4" name="矩形 3"/>
+          <p:cNvSpPr/>
+          <p:nvPr/>
+        </p:nvSpPr>
+        <p:spPr>
+          <a:xfrm>
+            <a:off x="1411605" y="598805"/>
+            <a:ext cx="4011295" cy="5838190"/>
+          </a:xfrm>
+          <a:prstGeom prst="rect">
+            <a:avLst/>
+          </a:prstGeom>
+          <a:ln>
+            <a:prstDash val="dash"/>
+          </a:ln>
+        </p:spPr>
+        <p:style>
+          <a:lnRef idx="2">
+            <a:schemeClr val="accent1"/>
+          </a:lnRef>
+          <a:fillRef idx="0">
+            <a:srgbClr val="FFFFFF"/>
+          </a:fillRef>
+          <a:effectRef idx="0">
+            <a:srgbClr val="FFFFFF"/>
+          </a:effectRef>
+          <a:fontRef idx="minor">
+            <a:schemeClr val="tx1"/>
+          </a:fontRef>
+        </p:style>
+        <p:txBody>
+          <a:bodyPr rtlCol="0" anchor="ctr"/>
+          <a:p>
+            <a:pPr algn="ctr"/>
+            <a:endParaRPr lang="zh-CN" altLang="en-US"/>
+          </a:p>
+        </p:txBody>
+      </p:sp>
+      <p:sp>
+        <p:nvSpPr>
+          <p:cNvPr id="5" name="圆柱形 4"/>
+          <p:cNvSpPr/>
+          <p:nvPr/>
+        </p:nvSpPr>
+        <p:spPr>
+          <a:xfrm>
+            <a:off x="2587625" y="1024890"/>
+            <a:ext cx="1243965" cy="1310640"/>
+          </a:xfrm>
+          <a:prstGeom prst="can">
+            <a:avLst/>
+          </a:prstGeom>
+        </p:spPr>
+        <p:style>
+          <a:lnRef idx="0">
+            <a:srgbClr val="FFFFFF"/>
+          </a:lnRef>
+          <a:fillRef idx="1">
+            <a:schemeClr val="accent6"/>
+          </a:fillRef>
+          <a:effectRef idx="0">
+            <a:srgbClr val="FFFFFF"/>
+          </a:effectRef>
+          <a:fontRef idx="minor">
+            <a:schemeClr val="lt1"/>
+          </a:fontRef>
+        </p:style>
+        <p:txBody>
+          <a:bodyPr rtlCol="0" anchor="ctr"/>
+          <a:p>
+            <a:pPr algn="ctr"/>
+            <a:endParaRPr lang="zh-CN" altLang="en-US"/>
+          </a:p>
+        </p:txBody>
+      </p:sp>
+      <p:sp>
+        <p:nvSpPr>
+          <p:cNvPr id="6" name="文本框 5"/>
+          <p:cNvSpPr txBox="1"/>
+          <p:nvPr/>
+        </p:nvSpPr>
+        <p:spPr>
+          <a:xfrm>
+            <a:off x="2701925" y="230505"/>
+            <a:ext cx="1016000" cy="368300"/>
+          </a:xfrm>
+          <a:prstGeom prst="rect">
+            <a:avLst/>
+          </a:prstGeom>
+          <a:noFill/>
+        </p:spPr>
+        <p:txBody>
+          <a:bodyPr wrap="square" rtlCol="0">
+            <a:spAutoFit/>
+          </a:bodyPr>
+          <a:p>
+            <a:r>
+              <a:rPr lang="en-US" altLang="zh-CN" b="1"/>
+              <a:t>Master</a:t>
+            </a:r>
+            <a:endParaRPr lang="en-US" altLang="zh-CN" b="1"/>
+          </a:p>
+        </p:txBody>
+      </p:sp>
+      <p:sp>
+        <p:nvSpPr>
+          <p:cNvPr id="7" name="矩形 6"/>
+          <p:cNvSpPr/>
+          <p:nvPr>
+            <p:custDataLst>
+              <p:tags r:id="rId1"/>
+            </p:custDataLst>
+          </p:nvPr>
+        </p:nvSpPr>
+        <p:spPr>
+          <a:xfrm>
+            <a:off x="5422900" y="598805"/>
+            <a:ext cx="4011295" cy="5838190"/>
+          </a:xfrm>
+          <a:prstGeom prst="rect">
+            <a:avLst/>
+          </a:prstGeom>
+          <a:ln w="6350" cap="flat" cmpd="sng" algn="ctr">
+            <a:solidFill>
+              <a:schemeClr val="accent6"/>
+            </a:solidFill>
+            <a:prstDash val="dash"/>
+            <a:miter lim="800000"/>
+          </a:ln>
+        </p:spPr>
+        <p:style>
+          <a:lnRef idx="0">
+            <a:schemeClr val="accent1"/>
+          </a:lnRef>
+          <a:fillRef idx="0">
+            <a:srgbClr val="FFFFFF"/>
+          </a:fillRef>
+          <a:effectRef idx="0">
+            <a:srgbClr val="FFFFFF"/>
+          </a:effectRef>
+          <a:fontRef idx="minor">
+            <a:schemeClr val="tx1"/>
+          </a:fontRef>
+        </p:style>
+        <p:txBody>
+          <a:bodyPr rtlCol="0" anchor="ctr"/>
+          <a:p>
+            <a:pPr algn="ctr"/>
+            <a:endParaRPr lang="zh-CN" altLang="en-US"/>
+          </a:p>
+        </p:txBody>
+      </p:sp>
+      <p:sp>
+        <p:nvSpPr>
+          <p:cNvPr id="8" name="文本框 7"/>
+          <p:cNvSpPr txBox="1"/>
+          <p:nvPr>
+            <p:custDataLst>
+              <p:tags r:id="rId2"/>
+            </p:custDataLst>
+          </p:nvPr>
+        </p:nvSpPr>
+        <p:spPr>
+          <a:xfrm>
+            <a:off x="6920865" y="230505"/>
+            <a:ext cx="1016000" cy="368300"/>
+          </a:xfrm>
+          <a:prstGeom prst="rect">
+            <a:avLst/>
+          </a:prstGeom>
+          <a:noFill/>
+        </p:spPr>
+        <p:txBody>
+          <a:bodyPr wrap="square" rtlCol="0">
+            <a:spAutoFit/>
+          </a:bodyPr>
+          <a:p>
+            <a:r>
+              <a:rPr lang="en-US" altLang="zh-CN" b="1"/>
+              <a:t>Slave</a:t>
+            </a:r>
+            <a:endParaRPr lang="en-US" altLang="zh-CN" b="1"/>
+          </a:p>
+        </p:txBody>
+      </p:sp>
+      <p:sp>
+        <p:nvSpPr>
+          <p:cNvPr id="9" name="圆柱形 8"/>
+          <p:cNvSpPr/>
+          <p:nvPr>
+            <p:custDataLst>
+              <p:tags r:id="rId3"/>
+            </p:custDataLst>
+          </p:nvPr>
+        </p:nvSpPr>
+        <p:spPr>
+          <a:xfrm>
+            <a:off x="6806565" y="1024890"/>
+            <a:ext cx="1243965" cy="1310640"/>
+          </a:xfrm>
+          <a:prstGeom prst="can">
+            <a:avLst/>
+          </a:prstGeom>
+        </p:spPr>
+        <p:style>
+          <a:lnRef idx="0">
+            <a:srgbClr val="FFFFFF"/>
+          </a:lnRef>
+          <a:fillRef idx="1">
+            <a:schemeClr val="accent6"/>
+          </a:fillRef>
+          <a:effectRef idx="0">
+            <a:srgbClr val="FFFFFF"/>
+          </a:effectRef>
+          <a:fontRef idx="minor">
+            <a:schemeClr val="lt1"/>
+          </a:fontRef>
+        </p:style>
+        <p:txBody>
+          <a:bodyPr rtlCol="0" anchor="ctr"/>
+          <a:p>
+            <a:pPr algn="ctr"/>
+            <a:endParaRPr lang="zh-CN" altLang="en-US"/>
+          </a:p>
+        </p:txBody>
+      </p:sp>
+      <p:sp>
+        <p:nvSpPr>
+          <p:cNvPr id="10" name="圆角矩形 9"/>
+          <p:cNvSpPr/>
+          <p:nvPr/>
+        </p:nvSpPr>
+        <p:spPr>
+          <a:xfrm>
+            <a:off x="2588260" y="4492625"/>
+            <a:ext cx="1243330" cy="1255395"/>
+          </a:xfrm>
+          <a:prstGeom prst="roundRect">
+            <a:avLst/>
+          </a:prstGeom>
+        </p:spPr>
+        <p:style>
+          <a:lnRef idx="0">
+            <a:srgbClr val="FFFFFF"/>
+          </a:lnRef>
+          <a:fillRef idx="2">
+            <a:schemeClr val="accent2"/>
+          </a:fillRef>
+          <a:effectRef idx="0">
+            <a:srgbClr val="FFFFFF"/>
+          </a:effectRef>
+          <a:fontRef idx="minor">
+            <a:schemeClr val="lt1"/>
+          </a:fontRef>
+        </p:style>
+        <p:txBody>
+          <a:bodyPr rtlCol="0" anchor="ctr"/>
+          <a:p>
+            <a:pPr algn="ctr"/>
+            <a:r>
+              <a:rPr lang="en-US" altLang="zh-CN"/>
+              <a:t>Binary Log</a:t>
+            </a:r>
+            <a:endParaRPr lang="en-US" altLang="zh-CN"/>
+          </a:p>
+        </p:txBody>
+      </p:sp>
+      <p:sp>
+        <p:nvSpPr>
+          <p:cNvPr id="11" name="圆角矩形 10"/>
+          <p:cNvSpPr/>
+          <p:nvPr>
+            <p:custDataLst>
+              <p:tags r:id="rId4"/>
+            </p:custDataLst>
+          </p:nvPr>
+        </p:nvSpPr>
+        <p:spPr>
+          <a:xfrm>
+            <a:off x="6807200" y="4492625"/>
+            <a:ext cx="1243330" cy="1255395"/>
+          </a:xfrm>
+          <a:prstGeom prst="roundRect">
+            <a:avLst/>
+          </a:prstGeom>
+        </p:spPr>
+        <p:style>
+          <a:lnRef idx="0">
+            <a:srgbClr val="FFFFFF"/>
+          </a:lnRef>
+          <a:fillRef idx="2">
+            <a:schemeClr val="accent2"/>
+          </a:fillRef>
+          <a:effectRef idx="0">
+            <a:srgbClr val="FFFFFF"/>
+          </a:effectRef>
+          <a:fontRef idx="minor">
+            <a:schemeClr val="lt1"/>
+          </a:fontRef>
+        </p:style>
+        <p:txBody>
+          <a:bodyPr rtlCol="0" anchor="ctr"/>
+          <a:p>
+            <a:pPr algn="ctr"/>
+            <a:r>
+              <a:rPr lang="en-US" altLang="zh-CN"/>
+              <a:t>Relay Log</a:t>
+            </a:r>
+            <a:endParaRPr lang="en-US" altLang="zh-CN"/>
+          </a:p>
+        </p:txBody>
+      </p:sp>
+      <p:cxnSp>
+        <p:nvCxnSpPr>
+          <p:cNvPr id="12" name="直接箭头连接符 11"/>
+          <p:cNvCxnSpPr>
+            <a:stCxn id="5" idx="3"/>
+            <a:endCxn id="10" idx="0"/>
+          </p:cNvCxnSpPr>
+          <p:nvPr/>
+        </p:nvCxnSpPr>
+        <p:spPr>
+          <a:xfrm>
+            <a:off x="3209925" y="2335530"/>
+            <a:ext cx="0" cy="2157095"/>
+          </a:xfrm>
+          <a:prstGeom prst="straightConnector1">
+            <a:avLst/>
+          </a:prstGeom>
+          <a:ln w="31750" cap="rnd">
+            <a:solidFill>
+              <a:schemeClr val="accent2"/>
+            </a:solidFill>
+            <a:round/>
+            <a:tailEnd type="arrow" w="med" len="med"/>
+          </a:ln>
+        </p:spPr>
+        <p:style>
+          <a:lnRef idx="0">
+            <a:srgbClr val="FFFFFF"/>
+          </a:lnRef>
+          <a:fillRef idx="0">
+            <a:srgbClr val="FFFFFF"/>
+          </a:fillRef>
+          <a:effectRef idx="0">
+            <a:srgbClr val="FFFFFF"/>
+          </a:effectRef>
+          <a:fontRef idx="minor">
+            <a:schemeClr val="tx1"/>
+          </a:fontRef>
+        </p:style>
+      </p:cxnSp>
+      <p:sp>
+        <p:nvSpPr>
+          <p:cNvPr id="13" name="矩形 12"/>
+          <p:cNvSpPr/>
+          <p:nvPr/>
+        </p:nvSpPr>
+        <p:spPr>
+          <a:xfrm>
+            <a:off x="6920865" y="2468245"/>
+            <a:ext cx="1022985" cy="729615"/>
+          </a:xfrm>
+          <a:prstGeom prst="rect">
+            <a:avLst/>
+          </a:prstGeom>
+        </p:spPr>
+        <p:style>
+          <a:lnRef idx="3">
+            <a:schemeClr val="accent3"/>
+          </a:lnRef>
+          <a:fillRef idx="0">
+            <a:srgbClr val="FFFFFF"/>
+          </a:fillRef>
+          <a:effectRef idx="0">
+            <a:srgbClr val="FFFFFF"/>
+          </a:effectRef>
+          <a:fontRef idx="minor">
+            <a:schemeClr val="tx1"/>
+          </a:fontRef>
+        </p:style>
+        <p:txBody>
+          <a:bodyPr rtlCol="0" anchor="ctr"/>
+          <a:p>
+            <a:pPr algn="ctr"/>
+            <a:r>
+              <a:rPr lang="en-US" altLang="zh-CN"/>
+              <a:t>SQL Thread</a:t>
+            </a:r>
+            <a:endParaRPr lang="en-US" altLang="zh-CN"/>
+          </a:p>
+        </p:txBody>
+      </p:sp>
+      <p:cxnSp>
+        <p:nvCxnSpPr>
+          <p:cNvPr id="14" name="直接箭头连接符 13"/>
+          <p:cNvCxnSpPr>
+            <a:stCxn id="10" idx="3"/>
+            <a:endCxn id="16" idx="2"/>
+          </p:cNvCxnSpPr>
+          <p:nvPr/>
+        </p:nvCxnSpPr>
+        <p:spPr>
+          <a:xfrm flipV="1">
+            <a:off x="3831590" y="3114040"/>
+            <a:ext cx="2244090" cy="2006600"/>
+          </a:xfrm>
+          <a:prstGeom prst="straightConnector1">
+            <a:avLst/>
+          </a:prstGeom>
+          <a:ln>
+            <a:tailEnd type="arrow"/>
+          </a:ln>
+        </p:spPr>
+        <p:style>
+          <a:lnRef idx="2">
+            <a:schemeClr val="accent1"/>
+          </a:lnRef>
+          <a:fillRef idx="0">
+            <a:srgbClr val="FFFFFF"/>
+          </a:fillRef>
+          <a:effectRef idx="0">
+            <a:srgbClr val="FFFFFF"/>
+          </a:effectRef>
+          <a:fontRef idx="minor">
+            <a:schemeClr val="tx1"/>
+          </a:fontRef>
+        </p:style>
+      </p:cxnSp>
+      <p:cxnSp>
+        <p:nvCxnSpPr>
+          <p:cNvPr id="15" name="直接箭头连接符 14"/>
+          <p:cNvCxnSpPr>
+            <a:stCxn id="16" idx="2"/>
+            <a:endCxn id="11" idx="1"/>
+          </p:cNvCxnSpPr>
+          <p:nvPr/>
+        </p:nvCxnSpPr>
+        <p:spPr>
+          <a:xfrm>
+            <a:off x="6075680" y="3114040"/>
+            <a:ext cx="731520" cy="2006600"/>
+          </a:xfrm>
+          <a:prstGeom prst="straightConnector1">
+            <a:avLst/>
+          </a:prstGeom>
+          <a:ln>
+            <a:tailEnd type="arrow"/>
+          </a:ln>
+        </p:spPr>
+        <p:style>
+          <a:lnRef idx="2">
+            <a:schemeClr val="accent1"/>
+          </a:lnRef>
+          <a:fillRef idx="0">
+            <a:srgbClr val="FFFFFF"/>
+          </a:fillRef>
+          <a:effectRef idx="0">
+            <a:srgbClr val="FFFFFF"/>
+          </a:effectRef>
+          <a:fontRef idx="minor">
+            <a:schemeClr val="tx1"/>
+          </a:fontRef>
+        </p:style>
+      </p:cxnSp>
+      <p:sp>
+        <p:nvSpPr>
+          <p:cNvPr id="16" name="矩形 15"/>
+          <p:cNvSpPr/>
+          <p:nvPr>
+            <p:custDataLst>
+              <p:tags r:id="rId5"/>
+            </p:custDataLst>
+          </p:nvPr>
+        </p:nvSpPr>
+        <p:spPr>
+          <a:xfrm>
+            <a:off x="5563870" y="2160905"/>
+            <a:ext cx="1022985" cy="953135"/>
+          </a:xfrm>
+          <a:prstGeom prst="rect">
+            <a:avLst/>
+          </a:prstGeom>
+        </p:spPr>
+        <p:style>
+          <a:lnRef idx="3">
+            <a:schemeClr val="accent4"/>
+          </a:lnRef>
+          <a:fillRef idx="0">
+            <a:srgbClr val="FFFFFF"/>
+          </a:fillRef>
+          <a:effectRef idx="0">
+            <a:srgbClr val="FFFFFF"/>
+          </a:effectRef>
+          <a:fontRef idx="minor">
+            <a:schemeClr val="tx1"/>
+          </a:fontRef>
+        </p:style>
+        <p:txBody>
+          <a:bodyPr rtlCol="0" anchor="ctr"/>
+          <a:p>
+            <a:pPr algn="ctr"/>
+            <a:r>
+              <a:rPr lang="en-US" altLang="zh-CN"/>
+              <a:t>I/O Thread</a:t>
+            </a:r>
+            <a:endParaRPr lang="en-US" altLang="zh-CN"/>
+          </a:p>
+        </p:txBody>
+      </p:sp>
+      <p:cxnSp>
+        <p:nvCxnSpPr>
+          <p:cNvPr id="17" name="直接箭头连接符 16"/>
+          <p:cNvCxnSpPr>
+            <a:stCxn id="13" idx="2"/>
+            <a:endCxn id="11" idx="0"/>
+          </p:cNvCxnSpPr>
+          <p:nvPr>
+            <p:custDataLst>
+              <p:tags r:id="rId6"/>
+            </p:custDataLst>
+          </p:nvPr>
+        </p:nvCxnSpPr>
+        <p:spPr>
+          <a:xfrm flipH="1">
+            <a:off x="7428865" y="3197860"/>
+            <a:ext cx="3810" cy="1294765"/>
+          </a:xfrm>
+          <a:prstGeom prst="straightConnector1">
+            <a:avLst/>
+          </a:prstGeom>
+          <a:ln>
+            <a:tailEnd type="arrow"/>
+          </a:ln>
+        </p:spPr>
+        <p:style>
+          <a:lnRef idx="2">
+            <a:schemeClr val="accent1"/>
+          </a:lnRef>
+          <a:fillRef idx="0">
+            <a:srgbClr val="FFFFFF"/>
+          </a:fillRef>
+          <a:effectRef idx="0">
+            <a:srgbClr val="FFFFFF"/>
+          </a:effectRef>
+          <a:fontRef idx="minor">
+            <a:schemeClr val="tx1"/>
+          </a:fontRef>
+        </p:style>
+      </p:cxnSp>
+      <p:sp>
+        <p:nvSpPr>
+          <p:cNvPr id="18" name="文本框 17"/>
+          <p:cNvSpPr txBox="1"/>
+          <p:nvPr/>
+        </p:nvSpPr>
+        <p:spPr>
+          <a:xfrm>
+            <a:off x="2587625" y="3056890"/>
+            <a:ext cx="1654175" cy="368300"/>
+          </a:xfrm>
+          <a:prstGeom prst="rect">
+            <a:avLst/>
+          </a:prstGeom>
+          <a:noFill/>
+        </p:spPr>
+        <p:txBody>
+          <a:bodyPr wrap="square" rtlCol="0">
+            <a:spAutoFit/>
+          </a:bodyPr>
+          <a:p>
+            <a:r>
+              <a:rPr lang="en-US" altLang="zh-CN"/>
+              <a:t>Data Changes</a:t>
+            </a:r>
+            <a:endParaRPr lang="en-US" altLang="zh-CN"/>
+          </a:p>
+        </p:txBody>
+      </p:sp>
+      <p:sp>
+        <p:nvSpPr>
+          <p:cNvPr id="19" name="文本框 18"/>
+          <p:cNvSpPr txBox="1"/>
+          <p:nvPr/>
+        </p:nvSpPr>
+        <p:spPr>
+          <a:xfrm>
+            <a:off x="4428490" y="4051935"/>
+            <a:ext cx="812165" cy="368300"/>
+          </a:xfrm>
+          <a:prstGeom prst="rect">
+            <a:avLst/>
+          </a:prstGeom>
+          <a:noFill/>
+        </p:spPr>
+        <p:txBody>
+          <a:bodyPr wrap="square" rtlCol="0">
+            <a:spAutoFit/>
+          </a:bodyPr>
+          <a:p>
+            <a:r>
+              <a:rPr lang="en-US" altLang="zh-CN"/>
+              <a:t>Read</a:t>
+            </a:r>
+            <a:endParaRPr lang="en-US" altLang="zh-CN"/>
+          </a:p>
+        </p:txBody>
+      </p:sp>
+      <p:sp>
+        <p:nvSpPr>
+          <p:cNvPr id="20" name="文本框 19"/>
+          <p:cNvSpPr txBox="1"/>
+          <p:nvPr>
+            <p:custDataLst>
+              <p:tags r:id="rId7"/>
+            </p:custDataLst>
+          </p:nvPr>
+        </p:nvSpPr>
+        <p:spPr>
+          <a:xfrm>
+            <a:off x="6019800" y="3810635"/>
+            <a:ext cx="812165" cy="368300"/>
+          </a:xfrm>
+          <a:prstGeom prst="rect">
+            <a:avLst/>
+          </a:prstGeom>
+          <a:noFill/>
+        </p:spPr>
+        <p:txBody>
+          <a:bodyPr wrap="square" rtlCol="0">
+            <a:spAutoFit/>
+          </a:bodyPr>
+          <a:p>
+            <a:r>
+              <a:rPr lang="en-US" altLang="zh-CN"/>
+              <a:t>Write</a:t>
+            </a:r>
+            <a:endParaRPr lang="en-US" altLang="zh-CN"/>
+          </a:p>
+        </p:txBody>
+      </p:sp>
+      <p:sp>
+        <p:nvSpPr>
+          <p:cNvPr id="21" name="文本框 20"/>
+          <p:cNvSpPr txBox="1"/>
+          <p:nvPr>
+            <p:custDataLst>
+              <p:tags r:id="rId8"/>
+            </p:custDataLst>
+          </p:nvPr>
+        </p:nvSpPr>
+        <p:spPr>
+          <a:xfrm>
+            <a:off x="7030085" y="3569335"/>
+            <a:ext cx="812165" cy="368300"/>
+          </a:xfrm>
+          <a:prstGeom prst="rect">
+            <a:avLst/>
+          </a:prstGeom>
+          <a:noFill/>
+        </p:spPr>
+        <p:txBody>
+          <a:bodyPr wrap="square" rtlCol="0">
+            <a:spAutoFit/>
+          </a:bodyPr>
+          <a:p>
+            <a:r>
+              <a:rPr lang="en-US" altLang="zh-CN"/>
+              <a:t>Relay</a:t>
+            </a:r>
+            <a:endParaRPr lang="en-US" altLang="zh-CN"/>
+          </a:p>
+        </p:txBody>
+      </p:sp>
+    </p:spTree>
+  </p:cSld>
+  <p:clrMapOvr>
+    <a:masterClrMapping/>
+  </p:clrMapOvr>
+</p:sld>
+</file>
+
+<file path=ppt/tags/tag1.xml><?xml version="1.0" encoding="utf-8"?>
+<p:tagLst xmlns:p="http://schemas.openxmlformats.org/presentationml/2006/main">
+  <p:tag name="KSO_WM_BEAUTIFY_FLAG" val=""/>
+</p:tagLst>
+</file>
+
+<file path=ppt/tags/tag2.xml><?xml version="1.0" encoding="utf-8"?>
+<p:tagLst xmlns:p="http://schemas.openxmlformats.org/presentationml/2006/main">
+  <p:tag name="KSO_WM_BEAUTIFY_FLAG" val=""/>
+</p:tagLst>
+</file>
+
+<file path=ppt/tags/tag3.xml><?xml version="1.0" encoding="utf-8"?>
+<p:tagLst xmlns:p="http://schemas.openxmlformats.org/presentationml/2006/main">
+  <p:tag name="KSO_WM_BEAUTIFY_FLAG" val=""/>
+</p:tagLst>
+</file>
+
+<file path=ppt/tags/tag4.xml><?xml version="1.0" encoding="utf-8"?>
+<p:tagLst xmlns:p="http://schemas.openxmlformats.org/presentationml/2006/main">
+  <p:tag name="KSO_WM_BEAUTIFY_FLAG" val=""/>
+</p:tagLst>
+</file>
+
+<file path=ppt/tags/tag5.xml><?xml version="1.0" encoding="utf-8"?>
+<p:tagLst xmlns:p="http://schemas.openxmlformats.org/presentationml/2006/main">
+  <p:tag name="KSO_WM_BEAUTIFY_FLAG" val=""/>
+</p:tagLst>
+</file>
+
+<file path=ppt/tags/tag6.xml><?xml version="1.0" encoding="utf-8"?>
+<p:tagLst xmlns:p="http://schemas.openxmlformats.org/presentationml/2006/main">
+  <p:tag name="KSO_WM_BEAUTIFY_FLAG" val=""/>
+</p:tagLst>
+</file>
+
+<file path=ppt/tags/tag7.xml><?xml version="1.0" encoding="utf-8"?>
+<p:tagLst xmlns:p="http://schemas.openxmlformats.org/presentationml/2006/main">
+  <p:tag name="KSO_WM_BEAUTIFY_FLAG" val=""/>
+</p:tagLst>
+</file>
+
+<file path=ppt/tags/tag8.xml><?xml version="1.0" encoding="utf-8"?>
+<p:tagLst xmlns:p="http://schemas.openxmlformats.org/presentationml/2006/main">
+  <p:tag name="KSO_WM_BEAUTIFY_FLAG" val=""/>
+</p:tagLst>
+</file>
+
+<file path=ppt/tags/tag9.xml><?xml version="1.0" encoding="utf-8"?>
+<p:tagLst xmlns:p="http://schemas.openxmlformats.org/presentationml/2006/main">
+  <p:tag name="commondata" val="eyJoZGlkIjoiMjdjYzBiM2JmMDdiNmE0MzdmZGUxMTJkZmU5Yzk1NGMifQ=="/>
+</p:tagLst>
 </file>
 
 <file path=ppt/theme/theme1.xml><?xml version="1.0" encoding="utf-8"?>
@@ -3976,7 +4238,7 @@
     </a:clrScheme>
     <a:fontScheme name="Office">
       <a:majorFont>
-        <a:latin typeface="等线 Light" panose="020F0302020204030204"/>
+        <a:latin typeface="等线 Light"/>
         <a:ea typeface=""/>
         <a:cs typeface=""/>
         <a:font script="Jpan" typeface="游ゴシック Light"/>
@@ -4009,26 +4271,9 @@
         <a:font script="Viet" typeface="Times New Roman"/>
         <a:font script="Uigh" typeface="Microsoft Uighur"/>
         <a:font script="Geor" typeface="Sylfaen"/>
-        <a:font script="Armn" typeface="Arial"/>
-        <a:font script="Bugi" typeface="Leelawadee UI"/>
-        <a:font script="Bopo" typeface="Microsoft JhengHei"/>
-        <a:font script="Java" typeface="Javanese Text"/>
-        <a:font script="Lisu" typeface="Segoe UI"/>
-        <a:font script="Mymr" typeface="Myanmar Text"/>
-        <a:font script="Nkoo" typeface="Ebrima"/>
-        <a:font script="Olck" typeface="Nirmala UI"/>
-        <a:font script="Osma" typeface="Ebrima"/>
-        <a:font script="Phag" typeface="Phagspa"/>
-        <a:font script="Syrn" typeface="Estrangelo Edessa"/>
-        <a:font script="Syrj" typeface="Estrangelo Edessa"/>
-        <a:font script="Syre" typeface="Estrangelo Edessa"/>
-        <a:font script="Sora" typeface="Nirmala UI"/>
-        <a:font script="Tale" typeface="Microsoft Tai Le"/>
-        <a:font script="Talu" typeface="Microsoft New Tai Lue"/>
-        <a:font script="Tfng" typeface="Ebrima"/>
       </a:majorFont>
       <a:minorFont>
-        <a:latin typeface="等线" panose="020F0502020204030204"/>
+        <a:latin typeface="等线"/>
         <a:ea typeface=""/>
         <a:cs typeface=""/>
         <a:font script="Jpan" typeface="游ゴシック"/>
@@ -4061,23 +4306,6 @@
         <a:font script="Viet" typeface="Arial"/>
         <a:font script="Uigh" typeface="Microsoft Uighur"/>
         <a:font script="Geor" typeface="Sylfaen"/>
-        <a:font script="Armn" typeface="Arial"/>
-        <a:font script="Bugi" typeface="Leelawadee UI"/>
-        <a:font script="Bopo" typeface="Microsoft JhengHei"/>
-        <a:font script="Java" typeface="Javanese Text"/>
-        <a:font script="Lisu" typeface="Segoe UI"/>
-        <a:font script="Mymr" typeface="Myanmar Text"/>
-        <a:font script="Nkoo" typeface="Ebrima"/>
-        <a:font script="Olck" typeface="Nirmala UI"/>
-        <a:font script="Osma" typeface="Ebrima"/>
-        <a:font script="Phag" typeface="Phagspa"/>
-        <a:font script="Syrn" typeface="Estrangelo Edessa"/>
-        <a:font script="Syrj" typeface="Estrangelo Edessa"/>
-        <a:font script="Syre" typeface="Estrangelo Edessa"/>
-        <a:font script="Sora" typeface="Nirmala UI"/>
-        <a:font script="Tale" typeface="Microsoft Tai Le"/>
-        <a:font script="Talu" typeface="Microsoft New Tai Lue"/>
-        <a:font script="Tfng" typeface="Ebrima"/>
       </a:minorFont>
     </a:fontScheme>
     <a:fmtScheme name="Office">
@@ -4218,8 +4446,6 @@
       </a:bgFillStyleLst>
     </a:fmtScheme>
   </a:themeElements>
-  <a:objectDefaults/>
-  <a:extraClrSchemeLst/>
   <a:extLst>
     <a:ext uri="{05A4C25C-085E-4340-85A3-A5531E510DB2}">
       <thm15:themeFamily xmlns:thm15="http://schemas.microsoft.com/office/thememl/2012/main" name="Office Theme" id="{62F939B6-93AF-4DB8-9C6B-D6C7DFDC589F}" vid="{4A3C46E8-61CC-4603-A589-7422A47A8E4A}"/>
